--- a/FinalProject_AC.pptx
+++ b/FinalProject_AC.pptx
@@ -5,20 +5,19 @@
     <p:sldMasterId id="2147483648" r:id="rId1"/>
   </p:sldMasterIdLst>
   <p:notesMasterIdLst>
-    <p:notesMasterId r:id="rId13"/>
+    <p:notesMasterId r:id="rId12"/>
   </p:notesMasterIdLst>
   <p:sldIdLst>
     <p:sldId id="256" r:id="rId2"/>
     <p:sldId id="285" r:id="rId3"/>
     <p:sldId id="290" r:id="rId4"/>
     <p:sldId id="292" r:id="rId5"/>
-    <p:sldId id="294" r:id="rId6"/>
-    <p:sldId id="258" r:id="rId7"/>
-    <p:sldId id="293" r:id="rId8"/>
-    <p:sldId id="295" r:id="rId9"/>
-    <p:sldId id="282" r:id="rId10"/>
-    <p:sldId id="260" r:id="rId11"/>
-    <p:sldId id="289" r:id="rId12"/>
+    <p:sldId id="258" r:id="rId6"/>
+    <p:sldId id="293" r:id="rId7"/>
+    <p:sldId id="295" r:id="rId8"/>
+    <p:sldId id="282" r:id="rId9"/>
+    <p:sldId id="260" r:id="rId10"/>
+    <p:sldId id="289" r:id="rId11"/>
   </p:sldIdLst>
   <p:sldSz cx="12192000" cy="6858000"/>
   <p:notesSz cx="6858000" cy="9144000"/>
@@ -221,7 +220,7 @@
           <a:p>
             <a:fld id="{8C07CF9C-6515-9E48-A779-037560F47797}" type="datetimeFigureOut">
               <a:rPr lang="en-US" smtClean="0"/>
-              <a:t>12/6/2020</a:t>
+              <a:t>12/7/2020</a:t>
             </a:fld>
             <a:endParaRPr lang="en-US"/>
           </a:p>
@@ -532,7 +531,51 @@
           <a:bodyPr/>
           <a:lstStyle/>
           <a:p>
-            <a:endParaRPr lang="en-US"/>
+            <a:pPr algn="l"/>
+            <a:endParaRPr lang="en-US" sz="1800" b="0" i="0" u="none" strike="noStrike" baseline="0" dirty="0">
+              <a:solidFill>
+                <a:srgbClr val="000000"/>
+              </a:solidFill>
+              <a:latin typeface="Times New Roman" panose="02020603050405020304" pitchFamily="18" charset="0"/>
+            </a:endParaRPr>
+          </a:p>
+          <a:p>
+            <a:r>
+              <a:rPr lang="en-US" sz="1800" b="0" i="0" u="none" strike="noStrike" baseline="0" dirty="0">
+                <a:solidFill>
+                  <a:srgbClr val="000000"/>
+                </a:solidFill>
+                <a:latin typeface="Times New Roman" panose="02020603050405020304" pitchFamily="18" charset="0"/>
+              </a:rPr>
+              <a:t> </a:t>
+            </a:r>
+            <a:r>
+              <a:rPr lang="en-US" sz="1800" b="1" i="0" u="none" strike="noStrike" baseline="0" dirty="0">
+                <a:solidFill>
+                  <a:srgbClr val="000000"/>
+                </a:solidFill>
+                <a:latin typeface="Times New Roman" panose="02020603050405020304" pitchFamily="18" charset="0"/>
+              </a:rPr>
+              <a:t>COMP-8547 Advanced Computing Concepts – Fall 2020 </a:t>
+            </a:r>
+            <a:endParaRPr lang="en-US" sz="1800" b="0" i="0" u="none" strike="noStrike" baseline="0" dirty="0">
+              <a:solidFill>
+                <a:srgbClr val="000000"/>
+              </a:solidFill>
+              <a:latin typeface="Times New Roman" panose="02020603050405020304" pitchFamily="18" charset="0"/>
+            </a:endParaRPr>
+          </a:p>
+          <a:p>
+            <a:r>
+              <a:rPr lang="en-US" sz="1800" b="1" i="0" u="none" strike="noStrike" baseline="0" dirty="0">
+                <a:solidFill>
+                  <a:srgbClr val="000000"/>
+                </a:solidFill>
+                <a:latin typeface="Times New Roman" panose="02020603050405020304" pitchFamily="18" charset="0"/>
+              </a:rPr>
+              <a:t>Final Project </a:t>
+            </a:r>
+            <a:endParaRPr lang="en-US" dirty="0"/>
           </a:p>
         </p:txBody>
       </p:sp>
@@ -727,7 +770,7 @@
           <a:p>
             <a:fld id="{888FA1EE-A4F6-CB48-8E0A-9173DF6BA0D0}" type="datetimeFigureOut">
               <a:rPr lang="en-US" smtClean="0"/>
-              <a:t>12/6/2020</a:t>
+              <a:t>12/7/2020</a:t>
             </a:fld>
             <a:endParaRPr lang="en-US"/>
           </a:p>
@@ -949,7 +992,7 @@
           <a:p>
             <a:fld id="{888FA1EE-A4F6-CB48-8E0A-9173DF6BA0D0}" type="datetimeFigureOut">
               <a:rPr lang="en-US" smtClean="0"/>
-              <a:t>12/6/2020</a:t>
+              <a:t>12/7/2020</a:t>
             </a:fld>
             <a:endParaRPr lang="en-US"/>
           </a:p>
@@ -1181,7 +1224,7 @@
           <a:p>
             <a:fld id="{888FA1EE-A4F6-CB48-8E0A-9173DF6BA0D0}" type="datetimeFigureOut">
               <a:rPr lang="en-US" smtClean="0"/>
-              <a:t>12/6/2020</a:t>
+              <a:t>12/7/2020</a:t>
             </a:fld>
             <a:endParaRPr lang="en-US"/>
           </a:p>
@@ -1403,7 +1446,7 @@
           <a:p>
             <a:fld id="{888FA1EE-A4F6-CB48-8E0A-9173DF6BA0D0}" type="datetimeFigureOut">
               <a:rPr lang="en-US" smtClean="0"/>
-              <a:t>12/6/2020</a:t>
+              <a:t>12/7/2020</a:t>
             </a:fld>
             <a:endParaRPr lang="en-US"/>
           </a:p>
@@ -1702,7 +1745,7 @@
           <a:p>
             <a:fld id="{888FA1EE-A4F6-CB48-8E0A-9173DF6BA0D0}" type="datetimeFigureOut">
               <a:rPr lang="en-US" smtClean="0"/>
-              <a:t>12/6/2020</a:t>
+              <a:t>12/7/2020</a:t>
             </a:fld>
             <a:endParaRPr lang="en-US"/>
           </a:p>
@@ -1991,7 +2034,7 @@
           <a:p>
             <a:fld id="{888FA1EE-A4F6-CB48-8E0A-9173DF6BA0D0}" type="datetimeFigureOut">
               <a:rPr lang="en-US" smtClean="0"/>
-              <a:t>12/6/2020</a:t>
+              <a:t>12/7/2020</a:t>
             </a:fld>
             <a:endParaRPr lang="en-US"/>
           </a:p>
@@ -2427,7 +2470,7 @@
           <a:p>
             <a:fld id="{888FA1EE-A4F6-CB48-8E0A-9173DF6BA0D0}" type="datetimeFigureOut">
               <a:rPr lang="en-US" smtClean="0"/>
-              <a:t>12/6/2020</a:t>
+              <a:t>12/7/2020</a:t>
             </a:fld>
             <a:endParaRPr lang="en-US"/>
           </a:p>
@@ -2592,7 +2635,7 @@
           <a:p>
             <a:fld id="{888FA1EE-A4F6-CB48-8E0A-9173DF6BA0D0}" type="datetimeFigureOut">
               <a:rPr lang="en-US" smtClean="0"/>
-              <a:t>12/6/2020</a:t>
+              <a:t>12/7/2020</a:t>
             </a:fld>
             <a:endParaRPr lang="en-US"/>
           </a:p>
@@ -2729,7 +2772,7 @@
           <a:p>
             <a:fld id="{888FA1EE-A4F6-CB48-8E0A-9173DF6BA0D0}" type="datetimeFigureOut">
               <a:rPr lang="en-US" smtClean="0"/>
-              <a:t>12/6/2020</a:t>
+              <a:t>12/7/2020</a:t>
             </a:fld>
             <a:endParaRPr lang="en-US"/>
           </a:p>
@@ -3064,7 +3107,7 @@
           <a:p>
             <a:fld id="{888FA1EE-A4F6-CB48-8E0A-9173DF6BA0D0}" type="datetimeFigureOut">
               <a:rPr lang="en-US" smtClean="0"/>
-              <a:t>12/6/2020</a:t>
+              <a:t>12/7/2020</a:t>
             </a:fld>
             <a:endParaRPr lang="en-US"/>
           </a:p>
@@ -3376,7 +3419,7 @@
           <a:p>
             <a:fld id="{888FA1EE-A4F6-CB48-8E0A-9173DF6BA0D0}" type="datetimeFigureOut">
               <a:rPr lang="en-US" smtClean="0"/>
-              <a:t>12/6/2020</a:t>
+              <a:t>12/7/2020</a:t>
             </a:fld>
             <a:endParaRPr lang="en-US"/>
           </a:p>
@@ -4186,23 +4229,6 @@
           </a:bodyPr>
           <a:lstStyle/>
           <a:p>
-            <a:pPr lvl="0" indent="-228600" algn="l">
-              <a:spcBef>
-                <a:spcPts val="0"/>
-              </a:spcBef>
-              <a:spcAft>
-                <a:spcPts val="0"/>
-              </a:spcAft>
-              <a:buFont typeface="Arial" panose="020B0604020202020204" pitchFamily="34" charset="0"/>
-              <a:buChar char="•"/>
-            </a:pPr>
-            <a:r>
-              <a:rPr lang="en-US" sz="2000" dirty="0"/>
-              <a:t>Group members:</a:t>
-            </a:r>
-            <a:endParaRPr lang="en-US" sz="2000"/>
-          </a:p>
-          <a:p>
             <a:pPr indent="-228600" algn="l">
               <a:spcBef>
                 <a:spcPts val="0"/>
@@ -4307,6 +4333,2026 @@
 </file>
 
 <file path=ppt/slides/slide10.xml><?xml version="1.0" encoding="utf-8"?>
+<p:sld xmlns:a="http://schemas.openxmlformats.org/drawingml/2006/main" xmlns:r="http://schemas.openxmlformats.org/officeDocument/2006/relationships" xmlns:p="http://schemas.openxmlformats.org/presentationml/2006/main">
+  <p:cSld>
+    <p:spTree>
+      <p:nvGrpSpPr>
+        <p:cNvPr id="1" name=""/>
+        <p:cNvGrpSpPr/>
+        <p:nvPr/>
+      </p:nvGrpSpPr>
+      <p:grpSpPr>
+        <a:xfrm>
+          <a:off x="0" y="0"/>
+          <a:ext cx="0" cy="0"/>
+          <a:chOff x="0" y="0"/>
+          <a:chExt cx="0" cy="0"/>
+        </a:xfrm>
+      </p:grpSpPr>
+      <p:sp>
+        <p:nvSpPr>
+          <p:cNvPr id="2" name="Title 1">
+            <a:extLst>
+              <a:ext uri="{FF2B5EF4-FFF2-40B4-BE49-F238E27FC236}">
+                <a16:creationId xmlns:a16="http://schemas.microsoft.com/office/drawing/2014/main" id="{E231A1CB-9B23-40CF-85F0-C9F2BE930E6D}"/>
+              </a:ext>
+            </a:extLst>
+          </p:cNvPr>
+          <p:cNvSpPr>
+            <a:spLocks noGrp="1"/>
+          </p:cNvSpPr>
+          <p:nvPr>
+            <p:ph type="title"/>
+          </p:nvPr>
+        </p:nvSpPr>
+        <p:spPr/>
+        <p:txBody>
+          <a:bodyPr/>
+          <a:lstStyle/>
+          <a:p>
+            <a:r>
+              <a:rPr lang="en-US" dirty="0"/>
+              <a:t>Summary</a:t>
+            </a:r>
+          </a:p>
+        </p:txBody>
+      </p:sp>
+      <p:sp>
+        <p:nvSpPr>
+          <p:cNvPr id="3" name="Content Placeholder 2">
+            <a:extLst>
+              <a:ext uri="{FF2B5EF4-FFF2-40B4-BE49-F238E27FC236}">
+                <a16:creationId xmlns:a16="http://schemas.microsoft.com/office/drawing/2014/main" id="{6E4D6B02-55D3-4606-9B2A-EAB866977453}"/>
+              </a:ext>
+            </a:extLst>
+          </p:cNvPr>
+          <p:cNvSpPr>
+            <a:spLocks noGrp="1"/>
+          </p:cNvSpPr>
+          <p:nvPr>
+            <p:ph idx="1"/>
+          </p:nvPr>
+        </p:nvSpPr>
+        <p:spPr>
+          <a:xfrm>
+            <a:off x="838200" y="1362269"/>
+            <a:ext cx="10515600" cy="4814694"/>
+          </a:xfrm>
+        </p:spPr>
+        <p:txBody>
+          <a:bodyPr>
+            <a:normAutofit/>
+          </a:bodyPr>
+          <a:lstStyle/>
+          <a:p>
+            <a:pPr>
+              <a:lnSpc>
+                <a:spcPct val="200000"/>
+              </a:lnSpc>
+            </a:pPr>
+            <a:r>
+              <a:rPr lang="en-US" sz="2400" dirty="0"/>
+              <a:t>Used several concepts learned from Advanced Computing to build a plain and simply web search engine, with basic and  searching capabilities like String matching search and regular expression search, with a word frequency cache.</a:t>
+            </a:r>
+          </a:p>
+          <a:p>
+            <a:pPr>
+              <a:lnSpc>
+                <a:spcPct val="200000"/>
+              </a:lnSpc>
+            </a:pPr>
+            <a:r>
+              <a:rPr lang="en-US" sz="2400" dirty="0"/>
+              <a:t>Project code repository: </a:t>
+            </a:r>
+            <a:r>
+              <a:rPr lang="en-US" sz="2400" u="sng" dirty="0">
+                <a:latin typeface="Calibri" panose="020F0502020204030204" pitchFamily="34" charset="0"/>
+                <a:ea typeface="Calibri" panose="020F0502020204030204" pitchFamily="34" charset="0"/>
+                <a:cs typeface="Times New Roman" panose="02020603050405020304" pitchFamily="18" charset="0"/>
+              </a:rPr>
+              <a:t>https://github.com/fanchuanster/8547SFinalProj</a:t>
+            </a:r>
+            <a:endParaRPr lang="en-US" sz="2400" u="sng" dirty="0">
+              <a:effectLst/>
+              <a:latin typeface="Calibri" panose="020F0502020204030204" pitchFamily="34" charset="0"/>
+              <a:ea typeface="Calibri" panose="020F0502020204030204" pitchFamily="34" charset="0"/>
+              <a:cs typeface="Times New Roman" panose="02020603050405020304" pitchFamily="18" charset="0"/>
+            </a:endParaRPr>
+          </a:p>
+        </p:txBody>
+      </p:sp>
+    </p:spTree>
+    <p:extLst>
+      <p:ext uri="{BB962C8B-B14F-4D97-AF65-F5344CB8AC3E}">
+        <p14:creationId xmlns:p14="http://schemas.microsoft.com/office/powerpoint/2010/main" val="184120026"/>
+      </p:ext>
+    </p:extLst>
+  </p:cSld>
+  <p:clrMapOvr>
+    <a:masterClrMapping/>
+  </p:clrMapOvr>
+</p:sld>
+</file>
+
+<file path=ppt/slides/slide2.xml><?xml version="1.0" encoding="utf-8"?>
+<p:sld xmlns:a="http://schemas.openxmlformats.org/drawingml/2006/main" xmlns:r="http://schemas.openxmlformats.org/officeDocument/2006/relationships" xmlns:p="http://schemas.openxmlformats.org/presentationml/2006/main">
+  <p:cSld>
+    <p:spTree>
+      <p:nvGrpSpPr>
+        <p:cNvPr id="1" name=""/>
+        <p:cNvGrpSpPr/>
+        <p:nvPr/>
+      </p:nvGrpSpPr>
+      <p:grpSpPr>
+        <a:xfrm>
+          <a:off x="0" y="0"/>
+          <a:ext cx="0" cy="0"/>
+          <a:chOff x="0" y="0"/>
+          <a:chExt cx="0" cy="0"/>
+        </a:xfrm>
+      </p:grpSpPr>
+      <p:sp>
+        <p:nvSpPr>
+          <p:cNvPr id="2" name="Title 1">
+            <a:extLst>
+              <a:ext uri="{FF2B5EF4-FFF2-40B4-BE49-F238E27FC236}">
+                <a16:creationId xmlns:a16="http://schemas.microsoft.com/office/drawing/2014/main" id="{136A7EA9-0BAF-4AEE-93A5-E05EB72A5CD4}"/>
+              </a:ext>
+            </a:extLst>
+          </p:cNvPr>
+          <p:cNvSpPr>
+            <a:spLocks noGrp="1"/>
+          </p:cNvSpPr>
+          <p:nvPr>
+            <p:ph type="title"/>
+          </p:nvPr>
+        </p:nvSpPr>
+        <p:spPr/>
+        <p:txBody>
+          <a:bodyPr/>
+          <a:lstStyle/>
+          <a:p>
+            <a:r>
+              <a:rPr lang="en-US" dirty="0"/>
+              <a:t>Contents</a:t>
+            </a:r>
+          </a:p>
+        </p:txBody>
+      </p:sp>
+      <p:sp>
+        <p:nvSpPr>
+          <p:cNvPr id="3" name="Content Placeholder 2">
+            <a:extLst>
+              <a:ext uri="{FF2B5EF4-FFF2-40B4-BE49-F238E27FC236}">
+                <a16:creationId xmlns:a16="http://schemas.microsoft.com/office/drawing/2014/main" id="{59EDADCA-9A62-4B72-9ED0-081409231E42}"/>
+              </a:ext>
+            </a:extLst>
+          </p:cNvPr>
+          <p:cNvSpPr>
+            <a:spLocks noGrp="1"/>
+          </p:cNvSpPr>
+          <p:nvPr>
+            <p:ph idx="1"/>
+          </p:nvPr>
+        </p:nvSpPr>
+        <p:spPr>
+          <a:xfrm>
+            <a:off x="996821" y="1253331"/>
+            <a:ext cx="10515600" cy="4351338"/>
+          </a:xfrm>
+        </p:spPr>
+        <p:txBody>
+          <a:bodyPr>
+            <a:normAutofit/>
+          </a:bodyPr>
+          <a:lstStyle/>
+          <a:p>
+            <a:pPr>
+              <a:lnSpc>
+                <a:spcPct val="150000"/>
+              </a:lnSpc>
+            </a:pPr>
+            <a:r>
+              <a:rPr lang="en-US" sz="2000" dirty="0"/>
+              <a:t>Overview</a:t>
+            </a:r>
+          </a:p>
+          <a:p>
+            <a:pPr>
+              <a:lnSpc>
+                <a:spcPct val="150000"/>
+              </a:lnSpc>
+            </a:pPr>
+            <a:r>
+              <a:rPr lang="en-US" sz="2000" dirty="0"/>
+              <a:t>Features</a:t>
+            </a:r>
+          </a:p>
+          <a:p>
+            <a:pPr>
+              <a:lnSpc>
+                <a:spcPct val="150000"/>
+              </a:lnSpc>
+            </a:pPr>
+            <a:r>
+              <a:rPr lang="en-US" sz="2000" dirty="0"/>
+              <a:t>System Architecture</a:t>
+            </a:r>
+          </a:p>
+          <a:p>
+            <a:pPr>
+              <a:lnSpc>
+                <a:spcPct val="150000"/>
+              </a:lnSpc>
+            </a:pPr>
+            <a:r>
+              <a:rPr lang="en-US" sz="2000" dirty="0"/>
+              <a:t>Technical Concepts Applied</a:t>
+            </a:r>
+          </a:p>
+          <a:p>
+            <a:pPr>
+              <a:lnSpc>
+                <a:spcPct val="150000"/>
+              </a:lnSpc>
+            </a:pPr>
+            <a:r>
+              <a:rPr lang="en-US" sz="2000" dirty="0"/>
+              <a:t>Demo</a:t>
+            </a:r>
+          </a:p>
+          <a:p>
+            <a:pPr>
+              <a:lnSpc>
+                <a:spcPct val="150000"/>
+              </a:lnSpc>
+            </a:pPr>
+            <a:r>
+              <a:rPr lang="en-US" sz="2000" dirty="0"/>
+              <a:t>Summary</a:t>
+            </a:r>
+          </a:p>
+          <a:p>
+            <a:pPr>
+              <a:lnSpc>
+                <a:spcPct val="150000"/>
+              </a:lnSpc>
+              <a:buFont typeface="Wingdings" panose="05000000000000000000" pitchFamily="2" charset="2"/>
+              <a:buChar char="Ø"/>
+            </a:pPr>
+            <a:endParaRPr lang="en-US" sz="2000" dirty="0"/>
+          </a:p>
+          <a:p>
+            <a:pPr>
+              <a:lnSpc>
+                <a:spcPct val="150000"/>
+              </a:lnSpc>
+              <a:buFont typeface="Wingdings" panose="05000000000000000000" pitchFamily="2" charset="2"/>
+              <a:buChar char="Ø"/>
+            </a:pPr>
+            <a:endParaRPr lang="en-US" sz="2000" dirty="0"/>
+          </a:p>
+        </p:txBody>
+      </p:sp>
+    </p:spTree>
+    <p:extLst>
+      <p:ext uri="{BB962C8B-B14F-4D97-AF65-F5344CB8AC3E}">
+        <p14:creationId xmlns:p14="http://schemas.microsoft.com/office/powerpoint/2010/main" val="720072428"/>
+      </p:ext>
+    </p:extLst>
+  </p:cSld>
+  <p:clrMapOvr>
+    <a:masterClrMapping/>
+  </p:clrMapOvr>
+  <p:timing>
+    <p:tnLst>
+      <p:par>
+        <p:cTn id="1" dur="indefinite" restart="never" nodeType="tmRoot">
+          <p:childTnLst>
+            <p:seq concurrent="1" nextAc="seek">
+              <p:cTn id="2" dur="indefinite" nodeType="mainSeq">
+                <p:childTnLst>
+                  <p:par>
+                    <p:cTn id="3" fill="hold">
+                      <p:stCondLst>
+                        <p:cond delay="indefinite"/>
+                      </p:stCondLst>
+                      <p:childTnLst>
+                        <p:par>
+                          <p:cTn id="4" fill="hold">
+                            <p:stCondLst>
+                              <p:cond delay="0"/>
+                            </p:stCondLst>
+                            <p:childTnLst>
+                              <p:par>
+                                <p:cTn id="5" presetID="1" presetClass="entr" presetSubtype="0" fill="hold" nodeType="clickEffect">
+                                  <p:stCondLst>
+                                    <p:cond delay="0"/>
+                                  </p:stCondLst>
+                                  <p:childTnLst>
+                                    <p:set>
+                                      <p:cBhvr>
+                                        <p:cTn id="6" dur="1" fill="hold">
+                                          <p:stCondLst>
+                                            <p:cond delay="0"/>
+                                          </p:stCondLst>
+                                        </p:cTn>
+                                        <p:tgtEl>
+                                          <p:spTgt spid="3">
+                                            <p:txEl>
+                                              <p:pRg st="0" end="0"/>
+                                            </p:txEl>
+                                          </p:spTgt>
+                                        </p:tgtEl>
+                                        <p:attrNameLst>
+                                          <p:attrName>style.visibility</p:attrName>
+                                        </p:attrNameLst>
+                                      </p:cBhvr>
+                                      <p:to>
+                                        <p:strVal val="visible"/>
+                                      </p:to>
+                                    </p:set>
+                                  </p:childTnLst>
+                                </p:cTn>
+                              </p:par>
+                            </p:childTnLst>
+                          </p:cTn>
+                        </p:par>
+                      </p:childTnLst>
+                    </p:cTn>
+                  </p:par>
+                  <p:par>
+                    <p:cTn id="7" fill="hold">
+                      <p:stCondLst>
+                        <p:cond delay="indefinite"/>
+                      </p:stCondLst>
+                      <p:childTnLst>
+                        <p:par>
+                          <p:cTn id="8" fill="hold">
+                            <p:stCondLst>
+                              <p:cond delay="0"/>
+                            </p:stCondLst>
+                            <p:childTnLst>
+                              <p:par>
+                                <p:cTn id="9" presetID="1" presetClass="entr" presetSubtype="0" fill="hold" nodeType="clickEffect">
+                                  <p:stCondLst>
+                                    <p:cond delay="0"/>
+                                  </p:stCondLst>
+                                  <p:childTnLst>
+                                    <p:set>
+                                      <p:cBhvr>
+                                        <p:cTn id="10" dur="1" fill="hold">
+                                          <p:stCondLst>
+                                            <p:cond delay="0"/>
+                                          </p:stCondLst>
+                                        </p:cTn>
+                                        <p:tgtEl>
+                                          <p:spTgt spid="3">
+                                            <p:txEl>
+                                              <p:pRg st="1" end="1"/>
+                                            </p:txEl>
+                                          </p:spTgt>
+                                        </p:tgtEl>
+                                        <p:attrNameLst>
+                                          <p:attrName>style.visibility</p:attrName>
+                                        </p:attrNameLst>
+                                      </p:cBhvr>
+                                      <p:to>
+                                        <p:strVal val="visible"/>
+                                      </p:to>
+                                    </p:set>
+                                  </p:childTnLst>
+                                </p:cTn>
+                              </p:par>
+                            </p:childTnLst>
+                          </p:cTn>
+                        </p:par>
+                      </p:childTnLst>
+                    </p:cTn>
+                  </p:par>
+                  <p:par>
+                    <p:cTn id="11" fill="hold">
+                      <p:stCondLst>
+                        <p:cond delay="indefinite"/>
+                      </p:stCondLst>
+                      <p:childTnLst>
+                        <p:par>
+                          <p:cTn id="12" fill="hold">
+                            <p:stCondLst>
+                              <p:cond delay="0"/>
+                            </p:stCondLst>
+                            <p:childTnLst>
+                              <p:par>
+                                <p:cTn id="13" presetID="1" presetClass="entr" presetSubtype="0" fill="hold" nodeType="clickEffect">
+                                  <p:stCondLst>
+                                    <p:cond delay="0"/>
+                                  </p:stCondLst>
+                                  <p:childTnLst>
+                                    <p:set>
+                                      <p:cBhvr>
+                                        <p:cTn id="14" dur="1" fill="hold">
+                                          <p:stCondLst>
+                                            <p:cond delay="0"/>
+                                          </p:stCondLst>
+                                        </p:cTn>
+                                        <p:tgtEl>
+                                          <p:spTgt spid="3">
+                                            <p:txEl>
+                                              <p:pRg st="2" end="2"/>
+                                            </p:txEl>
+                                          </p:spTgt>
+                                        </p:tgtEl>
+                                        <p:attrNameLst>
+                                          <p:attrName>style.visibility</p:attrName>
+                                        </p:attrNameLst>
+                                      </p:cBhvr>
+                                      <p:to>
+                                        <p:strVal val="visible"/>
+                                      </p:to>
+                                    </p:set>
+                                  </p:childTnLst>
+                                </p:cTn>
+                              </p:par>
+                            </p:childTnLst>
+                          </p:cTn>
+                        </p:par>
+                      </p:childTnLst>
+                    </p:cTn>
+                  </p:par>
+                  <p:par>
+                    <p:cTn id="15" fill="hold">
+                      <p:stCondLst>
+                        <p:cond delay="indefinite"/>
+                      </p:stCondLst>
+                      <p:childTnLst>
+                        <p:par>
+                          <p:cTn id="16" fill="hold">
+                            <p:stCondLst>
+                              <p:cond delay="0"/>
+                            </p:stCondLst>
+                            <p:childTnLst>
+                              <p:par>
+                                <p:cTn id="17" presetID="1" presetClass="entr" presetSubtype="0" fill="hold" nodeType="clickEffect">
+                                  <p:stCondLst>
+                                    <p:cond delay="0"/>
+                                  </p:stCondLst>
+                                  <p:childTnLst>
+                                    <p:set>
+                                      <p:cBhvr>
+                                        <p:cTn id="18" dur="1" fill="hold">
+                                          <p:stCondLst>
+                                            <p:cond delay="0"/>
+                                          </p:stCondLst>
+                                        </p:cTn>
+                                        <p:tgtEl>
+                                          <p:spTgt spid="3">
+                                            <p:txEl>
+                                              <p:pRg st="3" end="3"/>
+                                            </p:txEl>
+                                          </p:spTgt>
+                                        </p:tgtEl>
+                                        <p:attrNameLst>
+                                          <p:attrName>style.visibility</p:attrName>
+                                        </p:attrNameLst>
+                                      </p:cBhvr>
+                                      <p:to>
+                                        <p:strVal val="visible"/>
+                                      </p:to>
+                                    </p:set>
+                                  </p:childTnLst>
+                                </p:cTn>
+                              </p:par>
+                            </p:childTnLst>
+                          </p:cTn>
+                        </p:par>
+                      </p:childTnLst>
+                    </p:cTn>
+                  </p:par>
+                  <p:par>
+                    <p:cTn id="19" fill="hold">
+                      <p:stCondLst>
+                        <p:cond delay="indefinite"/>
+                      </p:stCondLst>
+                      <p:childTnLst>
+                        <p:par>
+                          <p:cTn id="20" fill="hold">
+                            <p:stCondLst>
+                              <p:cond delay="0"/>
+                            </p:stCondLst>
+                            <p:childTnLst>
+                              <p:par>
+                                <p:cTn id="21" presetID="1" presetClass="entr" presetSubtype="0" fill="hold" nodeType="clickEffect">
+                                  <p:stCondLst>
+                                    <p:cond delay="0"/>
+                                  </p:stCondLst>
+                                  <p:childTnLst>
+                                    <p:set>
+                                      <p:cBhvr>
+                                        <p:cTn id="22" dur="1" fill="hold">
+                                          <p:stCondLst>
+                                            <p:cond delay="0"/>
+                                          </p:stCondLst>
+                                        </p:cTn>
+                                        <p:tgtEl>
+                                          <p:spTgt spid="3">
+                                            <p:txEl>
+                                              <p:pRg st="4" end="4"/>
+                                            </p:txEl>
+                                          </p:spTgt>
+                                        </p:tgtEl>
+                                        <p:attrNameLst>
+                                          <p:attrName>style.visibility</p:attrName>
+                                        </p:attrNameLst>
+                                      </p:cBhvr>
+                                      <p:to>
+                                        <p:strVal val="visible"/>
+                                      </p:to>
+                                    </p:set>
+                                  </p:childTnLst>
+                                </p:cTn>
+                              </p:par>
+                            </p:childTnLst>
+                          </p:cTn>
+                        </p:par>
+                      </p:childTnLst>
+                    </p:cTn>
+                  </p:par>
+                  <p:par>
+                    <p:cTn id="23" fill="hold">
+                      <p:stCondLst>
+                        <p:cond delay="indefinite"/>
+                      </p:stCondLst>
+                      <p:childTnLst>
+                        <p:par>
+                          <p:cTn id="24" fill="hold">
+                            <p:stCondLst>
+                              <p:cond delay="0"/>
+                            </p:stCondLst>
+                            <p:childTnLst>
+                              <p:par>
+                                <p:cTn id="25" presetID="1" presetClass="entr" presetSubtype="0" fill="hold" nodeType="clickEffect">
+                                  <p:stCondLst>
+                                    <p:cond delay="0"/>
+                                  </p:stCondLst>
+                                  <p:childTnLst>
+                                    <p:set>
+                                      <p:cBhvr>
+                                        <p:cTn id="26" dur="1" fill="hold">
+                                          <p:stCondLst>
+                                            <p:cond delay="0"/>
+                                          </p:stCondLst>
+                                        </p:cTn>
+                                        <p:tgtEl>
+                                          <p:spTgt spid="3">
+                                            <p:txEl>
+                                              <p:pRg st="5" end="5"/>
+                                            </p:txEl>
+                                          </p:spTgt>
+                                        </p:tgtEl>
+                                        <p:attrNameLst>
+                                          <p:attrName>style.visibility</p:attrName>
+                                        </p:attrNameLst>
+                                      </p:cBhvr>
+                                      <p:to>
+                                        <p:strVal val="visible"/>
+                                      </p:to>
+                                    </p:set>
+                                  </p:childTnLst>
+                                </p:cTn>
+                              </p:par>
+                            </p:childTnLst>
+                          </p:cTn>
+                        </p:par>
+                      </p:childTnLst>
+                    </p:cTn>
+                  </p:par>
+                </p:childTnLst>
+              </p:cTn>
+              <p:prevCondLst>
+                <p:cond evt="onPrev" delay="0">
+                  <p:tgtEl>
+                    <p:sldTgt/>
+                  </p:tgtEl>
+                </p:cond>
+              </p:prevCondLst>
+              <p:nextCondLst>
+                <p:cond evt="onNext" delay="0">
+                  <p:tgtEl>
+                    <p:sldTgt/>
+                  </p:tgtEl>
+                </p:cond>
+              </p:nextCondLst>
+            </p:seq>
+          </p:childTnLst>
+        </p:cTn>
+      </p:par>
+    </p:tnLst>
+  </p:timing>
+</p:sld>
+</file>
+
+<file path=ppt/slides/slide3.xml><?xml version="1.0" encoding="utf-8"?>
+<p:sld xmlns:a="http://schemas.openxmlformats.org/drawingml/2006/main" xmlns:r="http://schemas.openxmlformats.org/officeDocument/2006/relationships" xmlns:p="http://schemas.openxmlformats.org/presentationml/2006/main">
+  <p:cSld>
+    <p:spTree>
+      <p:nvGrpSpPr>
+        <p:cNvPr id="1" name=""/>
+        <p:cNvGrpSpPr/>
+        <p:nvPr/>
+      </p:nvGrpSpPr>
+      <p:grpSpPr>
+        <a:xfrm>
+          <a:off x="0" y="0"/>
+          <a:ext cx="0" cy="0"/>
+          <a:chOff x="0" y="0"/>
+          <a:chExt cx="0" cy="0"/>
+        </a:xfrm>
+      </p:grpSpPr>
+      <p:sp>
+        <p:nvSpPr>
+          <p:cNvPr id="2" name="Title 1">
+            <a:extLst>
+              <a:ext uri="{FF2B5EF4-FFF2-40B4-BE49-F238E27FC236}">
+                <a16:creationId xmlns:a16="http://schemas.microsoft.com/office/drawing/2014/main" id="{136A7EA9-0BAF-4AEE-93A5-E05EB72A5CD4}"/>
+              </a:ext>
+            </a:extLst>
+          </p:cNvPr>
+          <p:cNvSpPr>
+            <a:spLocks noGrp="1"/>
+          </p:cNvSpPr>
+          <p:nvPr>
+            <p:ph type="title"/>
+          </p:nvPr>
+        </p:nvSpPr>
+        <p:spPr/>
+        <p:txBody>
+          <a:bodyPr/>
+          <a:lstStyle/>
+          <a:p>
+            <a:r>
+              <a:rPr lang="en-US" dirty="0"/>
+              <a:t>Overview</a:t>
+            </a:r>
+          </a:p>
+        </p:txBody>
+      </p:sp>
+      <p:sp>
+        <p:nvSpPr>
+          <p:cNvPr id="3" name="Content Placeholder 2">
+            <a:extLst>
+              <a:ext uri="{FF2B5EF4-FFF2-40B4-BE49-F238E27FC236}">
+                <a16:creationId xmlns:a16="http://schemas.microsoft.com/office/drawing/2014/main" id="{59EDADCA-9A62-4B72-9ED0-081409231E42}"/>
+              </a:ext>
+            </a:extLst>
+          </p:cNvPr>
+          <p:cNvSpPr>
+            <a:spLocks noGrp="1"/>
+          </p:cNvSpPr>
+          <p:nvPr>
+            <p:ph idx="1"/>
+          </p:nvPr>
+        </p:nvSpPr>
+        <p:spPr>
+          <a:xfrm>
+            <a:off x="950167" y="1253331"/>
+            <a:ext cx="10515600" cy="4351338"/>
+          </a:xfrm>
+        </p:spPr>
+        <p:txBody>
+          <a:bodyPr>
+            <a:normAutofit/>
+          </a:bodyPr>
+          <a:lstStyle/>
+          <a:p>
+            <a:pPr>
+              <a:lnSpc>
+                <a:spcPct val="200000"/>
+              </a:lnSpc>
+            </a:pPr>
+            <a:r>
+              <a:rPr lang="en-US" sz="2000" dirty="0"/>
+              <a:t>Our Web Search Engine offers keyword search and regular expression search, starting search from a given initial URL and spreading on to the descendant pages.</a:t>
+            </a:r>
+          </a:p>
+          <a:p>
+            <a:pPr>
+              <a:lnSpc>
+                <a:spcPct val="200000"/>
+              </a:lnSpc>
+            </a:pPr>
+            <a:endParaRPr lang="en-US" sz="2000" dirty="0"/>
+          </a:p>
+        </p:txBody>
+      </p:sp>
+    </p:spTree>
+    <p:extLst>
+      <p:ext uri="{BB962C8B-B14F-4D97-AF65-F5344CB8AC3E}">
+        <p14:creationId xmlns:p14="http://schemas.microsoft.com/office/powerpoint/2010/main" val="633714564"/>
+      </p:ext>
+    </p:extLst>
+  </p:cSld>
+  <p:clrMapOvr>
+    <a:masterClrMapping/>
+  </p:clrMapOvr>
+</p:sld>
+</file>
+
+<file path=ppt/slides/slide4.xml><?xml version="1.0" encoding="utf-8"?>
+<p:sld xmlns:a="http://schemas.openxmlformats.org/drawingml/2006/main" xmlns:r="http://schemas.openxmlformats.org/officeDocument/2006/relationships" xmlns:p="http://schemas.openxmlformats.org/presentationml/2006/main">
+  <p:cSld>
+    <p:spTree>
+      <p:nvGrpSpPr>
+        <p:cNvPr id="1" name=""/>
+        <p:cNvGrpSpPr/>
+        <p:nvPr/>
+      </p:nvGrpSpPr>
+      <p:grpSpPr>
+        <a:xfrm>
+          <a:off x="0" y="0"/>
+          <a:ext cx="0" cy="0"/>
+          <a:chOff x="0" y="0"/>
+          <a:chExt cx="0" cy="0"/>
+        </a:xfrm>
+      </p:grpSpPr>
+      <p:sp>
+        <p:nvSpPr>
+          <p:cNvPr id="2" name="Title 1">
+            <a:extLst>
+              <a:ext uri="{FF2B5EF4-FFF2-40B4-BE49-F238E27FC236}">
+                <a16:creationId xmlns:a16="http://schemas.microsoft.com/office/drawing/2014/main" id="{136A7EA9-0BAF-4AEE-93A5-E05EB72A5CD4}"/>
+              </a:ext>
+            </a:extLst>
+          </p:cNvPr>
+          <p:cNvSpPr>
+            <a:spLocks noGrp="1"/>
+          </p:cNvSpPr>
+          <p:nvPr>
+            <p:ph type="title"/>
+          </p:nvPr>
+        </p:nvSpPr>
+        <p:spPr/>
+        <p:txBody>
+          <a:bodyPr/>
+          <a:lstStyle/>
+          <a:p>
+            <a:r>
+              <a:rPr lang="en-US" dirty="0"/>
+              <a:t>Features</a:t>
+            </a:r>
+          </a:p>
+        </p:txBody>
+      </p:sp>
+      <p:sp>
+        <p:nvSpPr>
+          <p:cNvPr id="3" name="Content Placeholder 2">
+            <a:extLst>
+              <a:ext uri="{FF2B5EF4-FFF2-40B4-BE49-F238E27FC236}">
+                <a16:creationId xmlns:a16="http://schemas.microsoft.com/office/drawing/2014/main" id="{59EDADCA-9A62-4B72-9ED0-081409231E42}"/>
+              </a:ext>
+            </a:extLst>
+          </p:cNvPr>
+          <p:cNvSpPr>
+            <a:spLocks noGrp="1"/>
+          </p:cNvSpPr>
+          <p:nvPr>
+            <p:ph idx="1"/>
+          </p:nvPr>
+        </p:nvSpPr>
+        <p:spPr>
+          <a:xfrm>
+            <a:off x="950167" y="1253331"/>
+            <a:ext cx="10515600" cy="4351338"/>
+          </a:xfrm>
+        </p:spPr>
+        <p:txBody>
+          <a:bodyPr>
+            <a:normAutofit fontScale="85000" lnSpcReduction="10000"/>
+          </a:bodyPr>
+          <a:lstStyle/>
+          <a:p>
+            <a:pPr>
+              <a:lnSpc>
+                <a:spcPct val="200000"/>
+              </a:lnSpc>
+            </a:pPr>
+            <a:r>
+              <a:rPr lang="en-US" sz="2000" dirty="0"/>
+              <a:t>Keyword string matching web search</a:t>
+            </a:r>
+          </a:p>
+          <a:p>
+            <a:pPr>
+              <a:lnSpc>
+                <a:spcPct val="200000"/>
+              </a:lnSpc>
+            </a:pPr>
+            <a:r>
+              <a:rPr lang="en-US" sz="2000" dirty="0"/>
+              <a:t>Regular expression web search</a:t>
+            </a:r>
+          </a:p>
+          <a:p>
+            <a:pPr>
+              <a:lnSpc>
+                <a:spcPct val="200000"/>
+              </a:lnSpc>
+            </a:pPr>
+            <a:r>
+              <a:rPr lang="en-US" sz="2000" dirty="0"/>
+              <a:t>Web pages Scrawler</a:t>
+            </a:r>
+          </a:p>
+          <a:p>
+            <a:pPr>
+              <a:lnSpc>
+                <a:spcPct val="200000"/>
+              </a:lnSpc>
+            </a:pPr>
+            <a:r>
+              <a:rPr lang="en-US" sz="2000" dirty="0"/>
+              <a:t>HTML to plain text</a:t>
+            </a:r>
+          </a:p>
+          <a:p>
+            <a:pPr>
+              <a:lnSpc>
+                <a:spcPct val="200000"/>
+              </a:lnSpc>
+            </a:pPr>
+            <a:r>
+              <a:rPr lang="en-US" sz="2000" dirty="0"/>
+              <a:t>Ranking web pages with sorting</a:t>
+            </a:r>
+          </a:p>
+          <a:p>
+            <a:pPr>
+              <a:lnSpc>
+                <a:spcPct val="200000"/>
+              </a:lnSpc>
+            </a:pPr>
+            <a:r>
+              <a:rPr lang="en-US" sz="2000" dirty="0"/>
+              <a:t>Inverted index customized</a:t>
+            </a:r>
+          </a:p>
+          <a:p>
+            <a:pPr>
+              <a:lnSpc>
+                <a:spcPct val="200000"/>
+              </a:lnSpc>
+            </a:pPr>
+            <a:r>
+              <a:rPr lang="en-US" sz="2000" dirty="0"/>
+              <a:t>Cached dictionary with Hash table</a:t>
+            </a:r>
+          </a:p>
+        </p:txBody>
+      </p:sp>
+    </p:spTree>
+    <p:extLst>
+      <p:ext uri="{BB962C8B-B14F-4D97-AF65-F5344CB8AC3E}">
+        <p14:creationId xmlns:p14="http://schemas.microsoft.com/office/powerpoint/2010/main" val="1517824221"/>
+      </p:ext>
+    </p:extLst>
+  </p:cSld>
+  <p:clrMapOvr>
+    <a:masterClrMapping/>
+  </p:clrMapOvr>
+  <p:timing>
+    <p:tnLst>
+      <p:par>
+        <p:cTn id="1" dur="indefinite" restart="never" nodeType="tmRoot">
+          <p:childTnLst>
+            <p:seq concurrent="1" nextAc="seek">
+              <p:cTn id="2" dur="indefinite" nodeType="mainSeq">
+                <p:childTnLst>
+                  <p:par>
+                    <p:cTn id="3" fill="hold">
+                      <p:stCondLst>
+                        <p:cond delay="indefinite"/>
+                      </p:stCondLst>
+                      <p:childTnLst>
+                        <p:par>
+                          <p:cTn id="4" fill="hold">
+                            <p:stCondLst>
+                              <p:cond delay="0"/>
+                            </p:stCondLst>
+                            <p:childTnLst>
+                              <p:par>
+                                <p:cTn id="5" presetID="1" presetClass="entr" presetSubtype="0" fill="hold" nodeType="clickEffect">
+                                  <p:stCondLst>
+                                    <p:cond delay="0"/>
+                                  </p:stCondLst>
+                                  <p:childTnLst>
+                                    <p:set>
+                                      <p:cBhvr>
+                                        <p:cTn id="6" dur="1" fill="hold">
+                                          <p:stCondLst>
+                                            <p:cond delay="0"/>
+                                          </p:stCondLst>
+                                        </p:cTn>
+                                        <p:tgtEl>
+                                          <p:spTgt spid="3">
+                                            <p:txEl>
+                                              <p:pRg st="0" end="0"/>
+                                            </p:txEl>
+                                          </p:spTgt>
+                                        </p:tgtEl>
+                                        <p:attrNameLst>
+                                          <p:attrName>style.visibility</p:attrName>
+                                        </p:attrNameLst>
+                                      </p:cBhvr>
+                                      <p:to>
+                                        <p:strVal val="visible"/>
+                                      </p:to>
+                                    </p:set>
+                                  </p:childTnLst>
+                                </p:cTn>
+                              </p:par>
+                            </p:childTnLst>
+                          </p:cTn>
+                        </p:par>
+                      </p:childTnLst>
+                    </p:cTn>
+                  </p:par>
+                  <p:par>
+                    <p:cTn id="7" fill="hold">
+                      <p:stCondLst>
+                        <p:cond delay="indefinite"/>
+                      </p:stCondLst>
+                      <p:childTnLst>
+                        <p:par>
+                          <p:cTn id="8" fill="hold">
+                            <p:stCondLst>
+                              <p:cond delay="0"/>
+                            </p:stCondLst>
+                            <p:childTnLst>
+                              <p:par>
+                                <p:cTn id="9" presetID="1" presetClass="entr" presetSubtype="0" fill="hold" nodeType="clickEffect">
+                                  <p:stCondLst>
+                                    <p:cond delay="0"/>
+                                  </p:stCondLst>
+                                  <p:childTnLst>
+                                    <p:set>
+                                      <p:cBhvr>
+                                        <p:cTn id="10" dur="1" fill="hold">
+                                          <p:stCondLst>
+                                            <p:cond delay="0"/>
+                                          </p:stCondLst>
+                                        </p:cTn>
+                                        <p:tgtEl>
+                                          <p:spTgt spid="3">
+                                            <p:txEl>
+                                              <p:pRg st="1" end="1"/>
+                                            </p:txEl>
+                                          </p:spTgt>
+                                        </p:tgtEl>
+                                        <p:attrNameLst>
+                                          <p:attrName>style.visibility</p:attrName>
+                                        </p:attrNameLst>
+                                      </p:cBhvr>
+                                      <p:to>
+                                        <p:strVal val="visible"/>
+                                      </p:to>
+                                    </p:set>
+                                  </p:childTnLst>
+                                </p:cTn>
+                              </p:par>
+                            </p:childTnLst>
+                          </p:cTn>
+                        </p:par>
+                      </p:childTnLst>
+                    </p:cTn>
+                  </p:par>
+                  <p:par>
+                    <p:cTn id="11" fill="hold">
+                      <p:stCondLst>
+                        <p:cond delay="indefinite"/>
+                      </p:stCondLst>
+                      <p:childTnLst>
+                        <p:par>
+                          <p:cTn id="12" fill="hold">
+                            <p:stCondLst>
+                              <p:cond delay="0"/>
+                            </p:stCondLst>
+                            <p:childTnLst>
+                              <p:par>
+                                <p:cTn id="13" presetID="1" presetClass="entr" presetSubtype="0" fill="hold" nodeType="clickEffect">
+                                  <p:stCondLst>
+                                    <p:cond delay="0"/>
+                                  </p:stCondLst>
+                                  <p:childTnLst>
+                                    <p:set>
+                                      <p:cBhvr>
+                                        <p:cTn id="14" dur="1" fill="hold">
+                                          <p:stCondLst>
+                                            <p:cond delay="0"/>
+                                          </p:stCondLst>
+                                        </p:cTn>
+                                        <p:tgtEl>
+                                          <p:spTgt spid="3">
+                                            <p:txEl>
+                                              <p:pRg st="2" end="2"/>
+                                            </p:txEl>
+                                          </p:spTgt>
+                                        </p:tgtEl>
+                                        <p:attrNameLst>
+                                          <p:attrName>style.visibility</p:attrName>
+                                        </p:attrNameLst>
+                                      </p:cBhvr>
+                                      <p:to>
+                                        <p:strVal val="visible"/>
+                                      </p:to>
+                                    </p:set>
+                                  </p:childTnLst>
+                                </p:cTn>
+                              </p:par>
+                            </p:childTnLst>
+                          </p:cTn>
+                        </p:par>
+                      </p:childTnLst>
+                    </p:cTn>
+                  </p:par>
+                  <p:par>
+                    <p:cTn id="15" fill="hold">
+                      <p:stCondLst>
+                        <p:cond delay="indefinite"/>
+                      </p:stCondLst>
+                      <p:childTnLst>
+                        <p:par>
+                          <p:cTn id="16" fill="hold">
+                            <p:stCondLst>
+                              <p:cond delay="0"/>
+                            </p:stCondLst>
+                            <p:childTnLst>
+                              <p:par>
+                                <p:cTn id="17" presetID="1" presetClass="entr" presetSubtype="0" fill="hold" nodeType="clickEffect">
+                                  <p:stCondLst>
+                                    <p:cond delay="0"/>
+                                  </p:stCondLst>
+                                  <p:childTnLst>
+                                    <p:set>
+                                      <p:cBhvr>
+                                        <p:cTn id="18" dur="1" fill="hold">
+                                          <p:stCondLst>
+                                            <p:cond delay="0"/>
+                                          </p:stCondLst>
+                                        </p:cTn>
+                                        <p:tgtEl>
+                                          <p:spTgt spid="3">
+                                            <p:txEl>
+                                              <p:pRg st="3" end="3"/>
+                                            </p:txEl>
+                                          </p:spTgt>
+                                        </p:tgtEl>
+                                        <p:attrNameLst>
+                                          <p:attrName>style.visibility</p:attrName>
+                                        </p:attrNameLst>
+                                      </p:cBhvr>
+                                      <p:to>
+                                        <p:strVal val="visible"/>
+                                      </p:to>
+                                    </p:set>
+                                  </p:childTnLst>
+                                </p:cTn>
+                              </p:par>
+                            </p:childTnLst>
+                          </p:cTn>
+                        </p:par>
+                      </p:childTnLst>
+                    </p:cTn>
+                  </p:par>
+                  <p:par>
+                    <p:cTn id="19" fill="hold">
+                      <p:stCondLst>
+                        <p:cond delay="indefinite"/>
+                      </p:stCondLst>
+                      <p:childTnLst>
+                        <p:par>
+                          <p:cTn id="20" fill="hold">
+                            <p:stCondLst>
+                              <p:cond delay="0"/>
+                            </p:stCondLst>
+                            <p:childTnLst>
+                              <p:par>
+                                <p:cTn id="21" presetID="1" presetClass="entr" presetSubtype="0" fill="hold" nodeType="clickEffect">
+                                  <p:stCondLst>
+                                    <p:cond delay="0"/>
+                                  </p:stCondLst>
+                                  <p:childTnLst>
+                                    <p:set>
+                                      <p:cBhvr>
+                                        <p:cTn id="22" dur="1" fill="hold">
+                                          <p:stCondLst>
+                                            <p:cond delay="0"/>
+                                          </p:stCondLst>
+                                        </p:cTn>
+                                        <p:tgtEl>
+                                          <p:spTgt spid="3">
+                                            <p:txEl>
+                                              <p:pRg st="4" end="4"/>
+                                            </p:txEl>
+                                          </p:spTgt>
+                                        </p:tgtEl>
+                                        <p:attrNameLst>
+                                          <p:attrName>style.visibility</p:attrName>
+                                        </p:attrNameLst>
+                                      </p:cBhvr>
+                                      <p:to>
+                                        <p:strVal val="visible"/>
+                                      </p:to>
+                                    </p:set>
+                                  </p:childTnLst>
+                                </p:cTn>
+                              </p:par>
+                            </p:childTnLst>
+                          </p:cTn>
+                        </p:par>
+                      </p:childTnLst>
+                    </p:cTn>
+                  </p:par>
+                  <p:par>
+                    <p:cTn id="23" fill="hold">
+                      <p:stCondLst>
+                        <p:cond delay="indefinite"/>
+                      </p:stCondLst>
+                      <p:childTnLst>
+                        <p:par>
+                          <p:cTn id="24" fill="hold">
+                            <p:stCondLst>
+                              <p:cond delay="0"/>
+                            </p:stCondLst>
+                            <p:childTnLst>
+                              <p:par>
+                                <p:cTn id="25" presetID="1" presetClass="entr" presetSubtype="0" fill="hold" nodeType="clickEffect">
+                                  <p:stCondLst>
+                                    <p:cond delay="0"/>
+                                  </p:stCondLst>
+                                  <p:childTnLst>
+                                    <p:set>
+                                      <p:cBhvr>
+                                        <p:cTn id="26" dur="1" fill="hold">
+                                          <p:stCondLst>
+                                            <p:cond delay="0"/>
+                                          </p:stCondLst>
+                                        </p:cTn>
+                                        <p:tgtEl>
+                                          <p:spTgt spid="3">
+                                            <p:txEl>
+                                              <p:pRg st="5" end="5"/>
+                                            </p:txEl>
+                                          </p:spTgt>
+                                        </p:tgtEl>
+                                        <p:attrNameLst>
+                                          <p:attrName>style.visibility</p:attrName>
+                                        </p:attrNameLst>
+                                      </p:cBhvr>
+                                      <p:to>
+                                        <p:strVal val="visible"/>
+                                      </p:to>
+                                    </p:set>
+                                  </p:childTnLst>
+                                </p:cTn>
+                              </p:par>
+                            </p:childTnLst>
+                          </p:cTn>
+                        </p:par>
+                      </p:childTnLst>
+                    </p:cTn>
+                  </p:par>
+                  <p:par>
+                    <p:cTn id="27" fill="hold">
+                      <p:stCondLst>
+                        <p:cond delay="indefinite"/>
+                      </p:stCondLst>
+                      <p:childTnLst>
+                        <p:par>
+                          <p:cTn id="28" fill="hold">
+                            <p:stCondLst>
+                              <p:cond delay="0"/>
+                            </p:stCondLst>
+                            <p:childTnLst>
+                              <p:par>
+                                <p:cTn id="29" presetID="1" presetClass="entr" presetSubtype="0" fill="hold" nodeType="clickEffect">
+                                  <p:stCondLst>
+                                    <p:cond delay="0"/>
+                                  </p:stCondLst>
+                                  <p:childTnLst>
+                                    <p:set>
+                                      <p:cBhvr>
+                                        <p:cTn id="30" dur="1" fill="hold">
+                                          <p:stCondLst>
+                                            <p:cond delay="0"/>
+                                          </p:stCondLst>
+                                        </p:cTn>
+                                        <p:tgtEl>
+                                          <p:spTgt spid="3">
+                                            <p:txEl>
+                                              <p:pRg st="6" end="6"/>
+                                            </p:txEl>
+                                          </p:spTgt>
+                                        </p:tgtEl>
+                                        <p:attrNameLst>
+                                          <p:attrName>style.visibility</p:attrName>
+                                        </p:attrNameLst>
+                                      </p:cBhvr>
+                                      <p:to>
+                                        <p:strVal val="visible"/>
+                                      </p:to>
+                                    </p:set>
+                                  </p:childTnLst>
+                                </p:cTn>
+                              </p:par>
+                            </p:childTnLst>
+                          </p:cTn>
+                        </p:par>
+                      </p:childTnLst>
+                    </p:cTn>
+                  </p:par>
+                </p:childTnLst>
+              </p:cTn>
+              <p:prevCondLst>
+                <p:cond evt="onPrev" delay="0">
+                  <p:tgtEl>
+                    <p:sldTgt/>
+                  </p:tgtEl>
+                </p:cond>
+              </p:prevCondLst>
+              <p:nextCondLst>
+                <p:cond evt="onNext" delay="0">
+                  <p:tgtEl>
+                    <p:sldTgt/>
+                  </p:tgtEl>
+                </p:cond>
+              </p:nextCondLst>
+            </p:seq>
+          </p:childTnLst>
+        </p:cTn>
+      </p:par>
+    </p:tnLst>
+  </p:timing>
+</p:sld>
+</file>
+
+<file path=ppt/slides/slide5.xml><?xml version="1.0" encoding="utf-8"?>
+<p:sld xmlns:a="http://schemas.openxmlformats.org/drawingml/2006/main" xmlns:r="http://schemas.openxmlformats.org/officeDocument/2006/relationships" xmlns:p="http://schemas.openxmlformats.org/presentationml/2006/main">
+  <p:cSld>
+    <p:bg>
+      <p:bgPr>
+        <a:solidFill>
+          <a:schemeClr val="bg1"/>
+        </a:solidFill>
+        <a:effectLst/>
+      </p:bgPr>
+    </p:bg>
+    <p:spTree>
+      <p:nvGrpSpPr>
+        <p:cNvPr id="1" name=""/>
+        <p:cNvGrpSpPr/>
+        <p:nvPr/>
+      </p:nvGrpSpPr>
+      <p:grpSpPr>
+        <a:xfrm>
+          <a:off x="0" y="0"/>
+          <a:ext cx="0" cy="0"/>
+          <a:chOff x="0" y="0"/>
+          <a:chExt cx="0" cy="0"/>
+        </a:xfrm>
+      </p:grpSpPr>
+      <p:sp>
+        <p:nvSpPr>
+          <p:cNvPr id="12" name="Rectangle 11">
+            <a:extLst>
+              <a:ext uri="{FF2B5EF4-FFF2-40B4-BE49-F238E27FC236}">
+                <a16:creationId xmlns:a16="http://schemas.microsoft.com/office/drawing/2014/main" id="{A4AC5506-6312-4701-8D3C-40187889A947}"/>
+              </a:ext>
+              <a:ext uri="{C183D7F6-B498-43B3-948B-1728B52AA6E4}">
+                <adec:decorative xmlns:adec="http://schemas.microsoft.com/office/drawing/2017/decorative" val="1"/>
+              </a:ext>
+            </a:extLst>
+          </p:cNvPr>
+          <p:cNvSpPr>
+            <a:spLocks noGrp="1" noRot="1" noChangeAspect="1" noMove="1" noResize="1" noEditPoints="1" noAdjustHandles="1" noChangeArrowheads="1" noChangeShapeType="1" noTextEdit="1"/>
+          </p:cNvSpPr>
+          <p:nvPr>
+            <p:extLst>
+              <p:ext uri="{386F3935-93C4-4BCD-93E2-E3B085C9AB24}">
+                <p16:designElem xmlns:p16="http://schemas.microsoft.com/office/powerpoint/2015/main" val="1"/>
+              </p:ext>
+            </p:extLst>
+          </p:nvPr>
+        </p:nvSpPr>
+        <p:spPr>
+          <a:xfrm>
+            <a:off x="0" y="651752"/>
+            <a:ext cx="12192000" cy="736551"/>
+          </a:xfrm>
+          <a:prstGeom prst="rect">
+            <a:avLst/>
+          </a:prstGeom>
+          <a:solidFill>
+            <a:schemeClr val="tx1"/>
+          </a:solidFill>
+          <a:ln>
+            <a:noFill/>
+          </a:ln>
+        </p:spPr>
+        <p:style>
+          <a:lnRef idx="2">
+            <a:schemeClr val="accent1">
+              <a:shade val="50000"/>
+            </a:schemeClr>
+          </a:lnRef>
+          <a:fillRef idx="1">
+            <a:schemeClr val="accent1"/>
+          </a:fillRef>
+          <a:effectRef idx="0">
+            <a:schemeClr val="accent1"/>
+          </a:effectRef>
+          <a:fontRef idx="minor">
+            <a:schemeClr val="lt1"/>
+          </a:fontRef>
+        </p:style>
+        <p:txBody>
+          <a:bodyPr rtlCol="0" anchor="ctr"/>
+          <a:lstStyle/>
+          <a:p>
+            <a:pPr algn="ctr"/>
+            <a:endParaRPr lang="en-US"/>
+          </a:p>
+        </p:txBody>
+      </p:sp>
+      <p:sp>
+        <p:nvSpPr>
+          <p:cNvPr id="2" name="Title 1">
+            <a:extLst>
+              <a:ext uri="{FF2B5EF4-FFF2-40B4-BE49-F238E27FC236}">
+                <a16:creationId xmlns:a16="http://schemas.microsoft.com/office/drawing/2014/main" id="{E231A1CB-9B23-40CF-85F0-C9F2BE930E6D}"/>
+              </a:ext>
+            </a:extLst>
+          </p:cNvPr>
+          <p:cNvSpPr>
+            <a:spLocks noGrp="1"/>
+          </p:cNvSpPr>
+          <p:nvPr>
+            <p:ph type="title"/>
+          </p:nvPr>
+        </p:nvSpPr>
+        <p:spPr>
+          <a:xfrm>
+            <a:off x="556532" y="643467"/>
+            <a:ext cx="11210925" cy="744836"/>
+          </a:xfrm>
+        </p:spPr>
+        <p:txBody>
+          <a:bodyPr vert="horz" lIns="91440" tIns="45720" rIns="91440" bIns="45720" rtlCol="0" anchor="ctr">
+            <a:normAutofit/>
+          </a:bodyPr>
+          <a:lstStyle/>
+          <a:p>
+            <a:pPr algn="ctr"/>
+            <a:r>
+              <a:rPr lang="en-US" sz="3200" kern="1200" dirty="0">
+                <a:solidFill>
+                  <a:schemeClr val="bg1"/>
+                </a:solidFill>
+                <a:latin typeface="+mj-lt"/>
+                <a:ea typeface="+mj-ea"/>
+                <a:cs typeface="+mj-cs"/>
+              </a:rPr>
+              <a:t>System Architecture – </a:t>
+            </a:r>
+            <a:r>
+              <a:rPr lang="en-US" sz="3200" kern="1200">
+                <a:solidFill>
+                  <a:schemeClr val="bg1"/>
+                </a:solidFill>
+                <a:latin typeface="+mj-lt"/>
+                <a:ea typeface="+mj-ea"/>
+                <a:cs typeface="+mj-cs"/>
+              </a:rPr>
+              <a:t>Class Diagram</a:t>
+            </a:r>
+          </a:p>
+        </p:txBody>
+      </p:sp>
+      <p:pic>
+        <p:nvPicPr>
+          <p:cNvPr id="7" name="Content Placeholder 6">
+            <a:extLst>
+              <a:ext uri="{FF2B5EF4-FFF2-40B4-BE49-F238E27FC236}">
+                <a16:creationId xmlns:a16="http://schemas.microsoft.com/office/drawing/2014/main" id="{EAB48A68-FE78-4371-A43E-D4DEE5AF0DE8}"/>
+              </a:ext>
+            </a:extLst>
+          </p:cNvPr>
+          <p:cNvPicPr>
+            <a:picLocks noGrp="1" noChangeAspect="1"/>
+          </p:cNvPicPr>
+          <p:nvPr>
+            <p:ph idx="1"/>
+          </p:nvPr>
+        </p:nvPicPr>
+        <p:blipFill>
+          <a:blip r:embed="rId2">
+            <a:extLst>
+              <a:ext uri="{96DAC541-7B7A-43D3-8B79-37D633B846F1}">
+                <asvg:svgBlip xmlns:asvg="http://schemas.microsoft.com/office/drawing/2016/SVG/main" r:embed="rId3"/>
+              </a:ext>
+            </a:extLst>
+          </a:blip>
+          <a:stretch>
+            <a:fillRect/>
+          </a:stretch>
+        </p:blipFill>
+        <p:spPr>
+          <a:xfrm>
+            <a:off x="2155348" y="1675227"/>
+            <a:ext cx="7881304" cy="4394199"/>
+          </a:xfrm>
+          <a:prstGeom prst="rect">
+            <a:avLst/>
+          </a:prstGeom>
+        </p:spPr>
+      </p:pic>
+    </p:spTree>
+    <p:extLst>
+      <p:ext uri="{BB962C8B-B14F-4D97-AF65-F5344CB8AC3E}">
+        <p14:creationId xmlns:p14="http://schemas.microsoft.com/office/powerpoint/2010/main" val="4218270752"/>
+      </p:ext>
+    </p:extLst>
+  </p:cSld>
+  <p:clrMapOvr>
+    <a:masterClrMapping/>
+  </p:clrMapOvr>
+</p:sld>
+</file>
+
+<file path=ppt/slides/slide6.xml><?xml version="1.0" encoding="utf-8"?>
+<p:sld xmlns:a="http://schemas.openxmlformats.org/drawingml/2006/main" xmlns:r="http://schemas.openxmlformats.org/officeDocument/2006/relationships" xmlns:p="http://schemas.openxmlformats.org/presentationml/2006/main">
+  <p:cSld>
+    <p:bg>
+      <p:bgPr>
+        <a:solidFill>
+          <a:schemeClr val="bg1"/>
+        </a:solidFill>
+        <a:effectLst/>
+      </p:bgPr>
+    </p:bg>
+    <p:spTree>
+      <p:nvGrpSpPr>
+        <p:cNvPr id="1" name=""/>
+        <p:cNvGrpSpPr/>
+        <p:nvPr/>
+      </p:nvGrpSpPr>
+      <p:grpSpPr>
+        <a:xfrm>
+          <a:off x="0" y="0"/>
+          <a:ext cx="0" cy="0"/>
+          <a:chOff x="0" y="0"/>
+          <a:chExt cx="0" cy="0"/>
+        </a:xfrm>
+      </p:grpSpPr>
+      <p:sp>
+        <p:nvSpPr>
+          <p:cNvPr id="12" name="Rectangle 11">
+            <a:extLst>
+              <a:ext uri="{FF2B5EF4-FFF2-40B4-BE49-F238E27FC236}">
+                <a16:creationId xmlns:a16="http://schemas.microsoft.com/office/drawing/2014/main" id="{A4AC5506-6312-4701-8D3C-40187889A947}"/>
+              </a:ext>
+              <a:ext uri="{C183D7F6-B498-43B3-948B-1728B52AA6E4}">
+                <adec:decorative xmlns:adec="http://schemas.microsoft.com/office/drawing/2017/decorative" val="1"/>
+              </a:ext>
+            </a:extLst>
+          </p:cNvPr>
+          <p:cNvSpPr>
+            <a:spLocks noGrp="1" noRot="1" noChangeAspect="1" noMove="1" noResize="1" noEditPoints="1" noAdjustHandles="1" noChangeArrowheads="1" noChangeShapeType="1" noTextEdit="1"/>
+          </p:cNvSpPr>
+          <p:nvPr>
+            <p:extLst>
+              <p:ext uri="{386F3935-93C4-4BCD-93E2-E3B085C9AB24}">
+                <p16:designElem xmlns:p16="http://schemas.microsoft.com/office/powerpoint/2015/main" val="1"/>
+              </p:ext>
+            </p:extLst>
+          </p:nvPr>
+        </p:nvSpPr>
+        <p:spPr>
+          <a:xfrm>
+            <a:off x="0" y="651752"/>
+            <a:ext cx="12192000" cy="736551"/>
+          </a:xfrm>
+          <a:prstGeom prst="rect">
+            <a:avLst/>
+          </a:prstGeom>
+          <a:solidFill>
+            <a:schemeClr val="tx1"/>
+          </a:solidFill>
+          <a:ln>
+            <a:noFill/>
+          </a:ln>
+        </p:spPr>
+        <p:style>
+          <a:lnRef idx="2">
+            <a:schemeClr val="accent1">
+              <a:shade val="50000"/>
+            </a:schemeClr>
+          </a:lnRef>
+          <a:fillRef idx="1">
+            <a:schemeClr val="accent1"/>
+          </a:fillRef>
+          <a:effectRef idx="0">
+            <a:schemeClr val="accent1"/>
+          </a:effectRef>
+          <a:fontRef idx="minor">
+            <a:schemeClr val="lt1"/>
+          </a:fontRef>
+        </p:style>
+        <p:txBody>
+          <a:bodyPr rtlCol="0" anchor="ctr"/>
+          <a:lstStyle/>
+          <a:p>
+            <a:pPr algn="ctr"/>
+            <a:endParaRPr lang="en-US"/>
+          </a:p>
+        </p:txBody>
+      </p:sp>
+      <p:sp>
+        <p:nvSpPr>
+          <p:cNvPr id="2" name="Title 1">
+            <a:extLst>
+              <a:ext uri="{FF2B5EF4-FFF2-40B4-BE49-F238E27FC236}">
+                <a16:creationId xmlns:a16="http://schemas.microsoft.com/office/drawing/2014/main" id="{E231A1CB-9B23-40CF-85F0-C9F2BE930E6D}"/>
+              </a:ext>
+            </a:extLst>
+          </p:cNvPr>
+          <p:cNvSpPr>
+            <a:spLocks noGrp="1"/>
+          </p:cNvSpPr>
+          <p:nvPr>
+            <p:ph type="title"/>
+          </p:nvPr>
+        </p:nvSpPr>
+        <p:spPr>
+          <a:xfrm>
+            <a:off x="556532" y="643467"/>
+            <a:ext cx="11210925" cy="744836"/>
+          </a:xfrm>
+        </p:spPr>
+        <p:txBody>
+          <a:bodyPr vert="horz" lIns="91440" tIns="45720" rIns="91440" bIns="45720" rtlCol="0" anchor="ctr">
+            <a:normAutofit/>
+          </a:bodyPr>
+          <a:lstStyle/>
+          <a:p>
+            <a:pPr algn="ctr"/>
+            <a:r>
+              <a:rPr lang="en-US" sz="3200" kern="1200" dirty="0">
+                <a:solidFill>
+                  <a:schemeClr val="bg1"/>
+                </a:solidFill>
+                <a:latin typeface="+mj-lt"/>
+                <a:ea typeface="+mj-ea"/>
+                <a:cs typeface="+mj-cs"/>
+              </a:rPr>
+              <a:t>System Architecture – Sequence Diagram</a:t>
+            </a:r>
+          </a:p>
+        </p:txBody>
+      </p:sp>
+      <p:pic>
+        <p:nvPicPr>
+          <p:cNvPr id="6" name="Content Placeholder 5">
+            <a:extLst>
+              <a:ext uri="{FF2B5EF4-FFF2-40B4-BE49-F238E27FC236}">
+                <a16:creationId xmlns:a16="http://schemas.microsoft.com/office/drawing/2014/main" id="{BAA29A99-27EA-4029-BA28-5632AB77C45B}"/>
+              </a:ext>
+            </a:extLst>
+          </p:cNvPr>
+          <p:cNvPicPr>
+            <a:picLocks noGrp="1" noChangeAspect="1"/>
+          </p:cNvPicPr>
+          <p:nvPr>
+            <p:ph idx="1"/>
+          </p:nvPr>
+        </p:nvPicPr>
+        <p:blipFill>
+          <a:blip r:embed="rId2">
+            <a:extLst>
+              <a:ext uri="{96DAC541-7B7A-43D3-8B79-37D633B846F1}">
+                <asvg:svgBlip xmlns:asvg="http://schemas.microsoft.com/office/drawing/2016/SVG/main" r:embed="rId3"/>
+              </a:ext>
+            </a:extLst>
+          </a:blip>
+          <a:stretch>
+            <a:fillRect/>
+          </a:stretch>
+        </p:blipFill>
+        <p:spPr>
+          <a:xfrm>
+            <a:off x="1857081" y="1396588"/>
+            <a:ext cx="7136090" cy="4780375"/>
+          </a:xfrm>
+        </p:spPr>
+      </p:pic>
+    </p:spTree>
+    <p:extLst>
+      <p:ext uri="{BB962C8B-B14F-4D97-AF65-F5344CB8AC3E}">
+        <p14:creationId xmlns:p14="http://schemas.microsoft.com/office/powerpoint/2010/main" val="2806555462"/>
+      </p:ext>
+    </p:extLst>
+  </p:cSld>
+  <p:clrMapOvr>
+    <a:masterClrMapping/>
+  </p:clrMapOvr>
+</p:sld>
+</file>
+
+<file path=ppt/slides/slide7.xml><?xml version="1.0" encoding="utf-8"?>
+<p:sld xmlns:a="http://schemas.openxmlformats.org/drawingml/2006/main" xmlns:r="http://schemas.openxmlformats.org/officeDocument/2006/relationships" xmlns:p="http://schemas.openxmlformats.org/presentationml/2006/main">
+  <p:cSld>
+    <p:bg>
+      <p:bgPr>
+        <a:solidFill>
+          <a:schemeClr val="bg2"/>
+        </a:solidFill>
+        <a:effectLst/>
+      </p:bgPr>
+    </p:bg>
+    <p:spTree>
+      <p:nvGrpSpPr>
+        <p:cNvPr id="1" name=""/>
+        <p:cNvGrpSpPr/>
+        <p:nvPr/>
+      </p:nvGrpSpPr>
+      <p:grpSpPr>
+        <a:xfrm>
+          <a:off x="0" y="0"/>
+          <a:ext cx="0" cy="0"/>
+          <a:chOff x="0" y="0"/>
+          <a:chExt cx="0" cy="0"/>
+        </a:xfrm>
+      </p:grpSpPr>
+      <p:sp>
+        <p:nvSpPr>
+          <p:cNvPr id="17" name="Rectangle 16">
+            <a:extLst>
+              <a:ext uri="{FF2B5EF4-FFF2-40B4-BE49-F238E27FC236}">
+                <a16:creationId xmlns:a16="http://schemas.microsoft.com/office/drawing/2014/main" id="{16C5FA50-8D52-4617-AF91-5C7B1C8352F1}"/>
+              </a:ext>
+              <a:ext uri="{C183D7F6-B498-43B3-948B-1728B52AA6E4}">
+                <adec:decorative xmlns:adec="http://schemas.microsoft.com/office/drawing/2017/decorative" val="1"/>
+              </a:ext>
+            </a:extLst>
+          </p:cNvPr>
+          <p:cNvSpPr>
+            <a:spLocks noGrp="1" noRot="1" noChangeAspect="1" noMove="1" noResize="1" noEditPoints="1" noAdjustHandles="1" noChangeArrowheads="1" noChangeShapeType="1" noTextEdit="1"/>
+          </p:cNvSpPr>
+          <p:nvPr>
+            <p:extLst>
+              <p:ext uri="{386F3935-93C4-4BCD-93E2-E3B085C9AB24}">
+                <p16:designElem xmlns:p16="http://schemas.microsoft.com/office/powerpoint/2015/main" val="1"/>
+              </p:ext>
+            </p:extLst>
+          </p:nvPr>
+        </p:nvSpPr>
+        <p:spPr>
+          <a:xfrm>
+            <a:off x="0" y="0"/>
+            <a:ext cx="12192000" cy="6858000"/>
+          </a:xfrm>
+          <a:prstGeom prst="rect">
+            <a:avLst/>
+          </a:prstGeom>
+          <a:solidFill>
+            <a:srgbClr val="44505C"/>
+          </a:solidFill>
+          <a:ln>
+            <a:noFill/>
+          </a:ln>
+        </p:spPr>
+        <p:style>
+          <a:lnRef idx="2">
+            <a:schemeClr val="accent1">
+              <a:shade val="50000"/>
+            </a:schemeClr>
+          </a:lnRef>
+          <a:fillRef idx="1">
+            <a:schemeClr val="accent1"/>
+          </a:fillRef>
+          <a:effectRef idx="0">
+            <a:schemeClr val="accent1"/>
+          </a:effectRef>
+          <a:fontRef idx="minor">
+            <a:schemeClr val="lt1"/>
+          </a:fontRef>
+        </p:style>
+        <p:txBody>
+          <a:bodyPr rtlCol="0" anchor="ctr"/>
+          <a:lstStyle/>
+          <a:p>
+            <a:pPr algn="ctr"/>
+            <a:endParaRPr lang="en-US"/>
+          </a:p>
+        </p:txBody>
+      </p:sp>
+      <p:sp>
+        <p:nvSpPr>
+          <p:cNvPr id="2" name="Title 1">
+            <a:extLst>
+              <a:ext uri="{FF2B5EF4-FFF2-40B4-BE49-F238E27FC236}">
+                <a16:creationId xmlns:a16="http://schemas.microsoft.com/office/drawing/2014/main" id="{E231A1CB-9B23-40CF-85F0-C9F2BE930E6D}"/>
+              </a:ext>
+            </a:extLst>
+          </p:cNvPr>
+          <p:cNvSpPr>
+            <a:spLocks noGrp="1"/>
+          </p:cNvSpPr>
+          <p:nvPr>
+            <p:ph type="title"/>
+          </p:nvPr>
+        </p:nvSpPr>
+        <p:spPr>
+          <a:xfrm>
+            <a:off x="9093496" y="618681"/>
+            <a:ext cx="2613872" cy="4794567"/>
+          </a:xfrm>
+        </p:spPr>
+        <p:txBody>
+          <a:bodyPr vert="horz" lIns="91440" tIns="45720" rIns="91440" bIns="45720" rtlCol="0" anchor="ctr">
+            <a:normAutofit/>
+          </a:bodyPr>
+          <a:lstStyle/>
+          <a:p>
+            <a:r>
+              <a:rPr lang="en-US" sz="3600" dirty="0">
+                <a:solidFill>
+                  <a:srgbClr val="FFFFFF"/>
+                </a:solidFill>
+              </a:rPr>
+              <a:t>Source Code Structure</a:t>
+            </a:r>
+          </a:p>
+        </p:txBody>
+      </p:sp>
+      <p:sp>
+        <p:nvSpPr>
+          <p:cNvPr id="19" name="Rounded Rectangle 9">
+            <a:extLst>
+              <a:ext uri="{FF2B5EF4-FFF2-40B4-BE49-F238E27FC236}">
+                <a16:creationId xmlns:a16="http://schemas.microsoft.com/office/drawing/2014/main" id="{E223798C-12AD-4B0C-A50C-D676347D67CF}"/>
+              </a:ext>
+              <a:ext uri="{C183D7F6-B498-43B3-948B-1728B52AA6E4}">
+                <adec:decorative xmlns:adec="http://schemas.microsoft.com/office/drawing/2017/decorative" val="1"/>
+              </a:ext>
+            </a:extLst>
+          </p:cNvPr>
+          <p:cNvSpPr>
+            <a:spLocks noGrp="1" noRot="1" noChangeAspect="1" noMove="1" noResize="1" noEditPoints="1" noAdjustHandles="1" noChangeArrowheads="1" noChangeShapeType="1" noTextEdit="1"/>
+          </p:cNvSpPr>
+          <p:nvPr>
+            <p:extLst>
+              <p:ext uri="{386F3935-93C4-4BCD-93E2-E3B085C9AB24}">
+                <p16:designElem xmlns:p16="http://schemas.microsoft.com/office/powerpoint/2015/main" val="1"/>
+              </p:ext>
+            </p:extLst>
+          </p:nvPr>
+        </p:nvSpPr>
+        <p:spPr>
+          <a:xfrm>
+            <a:off x="493354" y="484632"/>
+            <a:ext cx="8129016" cy="5724144"/>
+          </a:xfrm>
+          <a:prstGeom prst="roundRect">
+            <a:avLst>
+              <a:gd name="adj" fmla="val 0"/>
+            </a:avLst>
+          </a:prstGeom>
+          <a:solidFill>
+            <a:srgbClr val="FFFFFF"/>
+          </a:solidFill>
+          <a:ln w="9525">
+            <a:solidFill>
+              <a:srgbClr val="C8CACA"/>
+            </a:solidFill>
+          </a:ln>
+          <a:effectLst>
+            <a:outerShdw blurRad="57150" dist="19050" dir="5400000" algn="t" rotWithShape="0">
+              <a:prstClr val="black">
+                <a:alpha val="63000"/>
+              </a:prstClr>
+            </a:outerShdw>
+          </a:effectLst>
+        </p:spPr>
+        <p:style>
+          <a:lnRef idx="2">
+            <a:schemeClr val="accent1">
+              <a:shade val="50000"/>
+            </a:schemeClr>
+          </a:lnRef>
+          <a:fillRef idx="1">
+            <a:schemeClr val="accent1"/>
+          </a:fillRef>
+          <a:effectRef idx="0">
+            <a:schemeClr val="accent1"/>
+          </a:effectRef>
+          <a:fontRef idx="minor">
+            <a:schemeClr val="lt1"/>
+          </a:fontRef>
+        </p:style>
+        <p:txBody>
+          <a:bodyPr rtlCol="0" anchor="ctr"/>
+          <a:lstStyle/>
+          <a:p>
+            <a:pPr algn="ctr"/>
+            <a:endParaRPr lang="en-US"/>
+          </a:p>
+        </p:txBody>
+      </p:sp>
+      <p:pic>
+        <p:nvPicPr>
+          <p:cNvPr id="7" name="Content Placeholder 6">
+            <a:extLst>
+              <a:ext uri="{FF2B5EF4-FFF2-40B4-BE49-F238E27FC236}">
+                <a16:creationId xmlns:a16="http://schemas.microsoft.com/office/drawing/2014/main" id="{20A2E964-66EE-4D6B-A26B-2D14E7713157}"/>
+              </a:ext>
+            </a:extLst>
+          </p:cNvPr>
+          <p:cNvPicPr>
+            <a:picLocks noGrp="1" noChangeAspect="1"/>
+          </p:cNvPicPr>
+          <p:nvPr>
+            <p:ph idx="1"/>
+          </p:nvPr>
+        </p:nvPicPr>
+        <p:blipFill rotWithShape="1">
+          <a:blip r:embed="rId2"/>
+          <a:srcRect r="32372" b="1"/>
+          <a:stretch/>
+        </p:blipFill>
+        <p:spPr>
+          <a:xfrm>
+            <a:off x="976251" y="942538"/>
+            <a:ext cx="7163222" cy="4808332"/>
+          </a:xfrm>
+          <a:prstGeom prst="rect">
+            <a:avLst/>
+          </a:prstGeom>
+          <a:effectLst/>
+        </p:spPr>
+      </p:pic>
+    </p:spTree>
+    <p:extLst>
+      <p:ext uri="{BB962C8B-B14F-4D97-AF65-F5344CB8AC3E}">
+        <p14:creationId xmlns:p14="http://schemas.microsoft.com/office/powerpoint/2010/main" val="2923799599"/>
+      </p:ext>
+    </p:extLst>
+  </p:cSld>
+  <p:clrMapOvr>
+    <a:masterClrMapping/>
+  </p:clrMapOvr>
+</p:sld>
+</file>
+
+<file path=ppt/slides/slide8.xml><?xml version="1.0" encoding="utf-8"?>
+<p:sld xmlns:a="http://schemas.openxmlformats.org/drawingml/2006/main" xmlns:r="http://schemas.openxmlformats.org/officeDocument/2006/relationships" xmlns:p="http://schemas.openxmlformats.org/presentationml/2006/main">
+  <p:cSld>
+    <p:spTree>
+      <p:nvGrpSpPr>
+        <p:cNvPr id="1" name=""/>
+        <p:cNvGrpSpPr/>
+        <p:nvPr/>
+      </p:nvGrpSpPr>
+      <p:grpSpPr>
+        <a:xfrm>
+          <a:off x="0" y="0"/>
+          <a:ext cx="0" cy="0"/>
+          <a:chOff x="0" y="0"/>
+          <a:chExt cx="0" cy="0"/>
+        </a:xfrm>
+      </p:grpSpPr>
+      <p:sp>
+        <p:nvSpPr>
+          <p:cNvPr id="2" name="Title 1">
+            <a:extLst>
+              <a:ext uri="{FF2B5EF4-FFF2-40B4-BE49-F238E27FC236}">
+                <a16:creationId xmlns:a16="http://schemas.microsoft.com/office/drawing/2014/main" id="{E231A1CB-9B23-40CF-85F0-C9F2BE930E6D}"/>
+              </a:ext>
+            </a:extLst>
+          </p:cNvPr>
+          <p:cNvSpPr>
+            <a:spLocks noGrp="1"/>
+          </p:cNvSpPr>
+          <p:nvPr>
+            <p:ph type="title"/>
+          </p:nvPr>
+        </p:nvSpPr>
+        <p:spPr/>
+        <p:txBody>
+          <a:bodyPr/>
+          <a:lstStyle/>
+          <a:p>
+            <a:pPr>
+              <a:lnSpc>
+                <a:spcPct val="150000"/>
+              </a:lnSpc>
+            </a:pPr>
+            <a:r>
+              <a:rPr lang="en-US" sz="4400" dirty="0"/>
+              <a:t>Technical concepts applied</a:t>
+            </a:r>
+          </a:p>
+        </p:txBody>
+      </p:sp>
+      <p:sp>
+        <p:nvSpPr>
+          <p:cNvPr id="3" name="Content Placeholder 2">
+            <a:extLst>
+              <a:ext uri="{FF2B5EF4-FFF2-40B4-BE49-F238E27FC236}">
+                <a16:creationId xmlns:a16="http://schemas.microsoft.com/office/drawing/2014/main" id="{6E4D6B02-55D3-4606-9B2A-EAB866977453}"/>
+              </a:ext>
+            </a:extLst>
+          </p:cNvPr>
+          <p:cNvSpPr>
+            <a:spLocks noGrp="1"/>
+          </p:cNvSpPr>
+          <p:nvPr>
+            <p:ph idx="1"/>
+          </p:nvPr>
+        </p:nvSpPr>
+        <p:spPr/>
+        <p:txBody>
+          <a:bodyPr>
+            <a:normAutofit/>
+          </a:bodyPr>
+          <a:lstStyle/>
+          <a:p>
+            <a:pPr>
+              <a:lnSpc>
+                <a:spcPct val="150000"/>
+              </a:lnSpc>
+            </a:pPr>
+            <a:r>
+              <a:rPr lang="en-US" sz="2000" dirty="0"/>
+              <a:t>Hash table</a:t>
+            </a:r>
+          </a:p>
+          <a:p>
+            <a:pPr>
+              <a:lnSpc>
+                <a:spcPct val="150000"/>
+              </a:lnSpc>
+            </a:pPr>
+            <a:r>
+              <a:rPr lang="en-US" sz="2000" dirty="0"/>
+              <a:t>Tier Search Tree</a:t>
+            </a:r>
+          </a:p>
+          <a:p>
+            <a:pPr>
+              <a:lnSpc>
+                <a:spcPct val="150000"/>
+              </a:lnSpc>
+            </a:pPr>
+            <a:r>
+              <a:rPr lang="en-US" sz="2000" dirty="0"/>
+              <a:t>Binary Heap</a:t>
+            </a:r>
+          </a:p>
+          <a:p>
+            <a:pPr>
+              <a:lnSpc>
+                <a:spcPct val="150000"/>
+              </a:lnSpc>
+            </a:pPr>
+            <a:r>
+              <a:rPr lang="en-US" sz="2000" dirty="0"/>
+              <a:t>Regular expression</a:t>
+            </a:r>
+          </a:p>
+          <a:p>
+            <a:pPr>
+              <a:lnSpc>
+                <a:spcPct val="150000"/>
+              </a:lnSpc>
+            </a:pPr>
+            <a:endParaRPr lang="en-US" sz="2000" dirty="0"/>
+          </a:p>
+        </p:txBody>
+      </p:sp>
+    </p:spTree>
+    <p:extLst>
+      <p:ext uri="{BB962C8B-B14F-4D97-AF65-F5344CB8AC3E}">
+        <p14:creationId xmlns:p14="http://schemas.microsoft.com/office/powerpoint/2010/main" val="2028386000"/>
+      </p:ext>
+    </p:extLst>
+  </p:cSld>
+  <p:clrMapOvr>
+    <a:masterClrMapping/>
+  </p:clrMapOvr>
+</p:sld>
+</file>
+
+<file path=ppt/slides/slide9.xml><?xml version="1.0" encoding="utf-8"?>
 <p:sld xmlns:a="http://schemas.openxmlformats.org/drawingml/2006/main" xmlns:r="http://schemas.openxmlformats.org/officeDocument/2006/relationships" xmlns:p="http://schemas.openxmlformats.org/presentationml/2006/main">
   <p:cSld>
     <p:bg>
@@ -5499,1817 +7545,6 @@
     <p:extLst>
       <p:ext uri="{BB962C8B-B14F-4D97-AF65-F5344CB8AC3E}">
         <p14:creationId xmlns:p14="http://schemas.microsoft.com/office/powerpoint/2010/main" val="1132173584"/>
-      </p:ext>
-    </p:extLst>
-  </p:cSld>
-  <p:clrMapOvr>
-    <a:masterClrMapping/>
-  </p:clrMapOvr>
-</p:sld>
-</file>
-
-<file path=ppt/slides/slide11.xml><?xml version="1.0" encoding="utf-8"?>
-<p:sld xmlns:a="http://schemas.openxmlformats.org/drawingml/2006/main" xmlns:r="http://schemas.openxmlformats.org/officeDocument/2006/relationships" xmlns:p="http://schemas.openxmlformats.org/presentationml/2006/main">
-  <p:cSld>
-    <p:spTree>
-      <p:nvGrpSpPr>
-        <p:cNvPr id="1" name=""/>
-        <p:cNvGrpSpPr/>
-        <p:nvPr/>
-      </p:nvGrpSpPr>
-      <p:grpSpPr>
-        <a:xfrm>
-          <a:off x="0" y="0"/>
-          <a:ext cx="0" cy="0"/>
-          <a:chOff x="0" y="0"/>
-          <a:chExt cx="0" cy="0"/>
-        </a:xfrm>
-      </p:grpSpPr>
-      <p:sp>
-        <p:nvSpPr>
-          <p:cNvPr id="2" name="Title 1">
-            <a:extLst>
-              <a:ext uri="{FF2B5EF4-FFF2-40B4-BE49-F238E27FC236}">
-                <a16:creationId xmlns:a16="http://schemas.microsoft.com/office/drawing/2014/main" id="{E231A1CB-9B23-40CF-85F0-C9F2BE930E6D}"/>
-              </a:ext>
-            </a:extLst>
-          </p:cNvPr>
-          <p:cNvSpPr>
-            <a:spLocks noGrp="1"/>
-          </p:cNvSpPr>
-          <p:nvPr>
-            <p:ph type="title"/>
-          </p:nvPr>
-        </p:nvSpPr>
-        <p:spPr/>
-        <p:txBody>
-          <a:bodyPr/>
-          <a:lstStyle/>
-          <a:p>
-            <a:r>
-              <a:rPr lang="en-US" dirty="0"/>
-              <a:t>Summary</a:t>
-            </a:r>
-          </a:p>
-        </p:txBody>
-      </p:sp>
-      <p:sp>
-        <p:nvSpPr>
-          <p:cNvPr id="3" name="Content Placeholder 2">
-            <a:extLst>
-              <a:ext uri="{FF2B5EF4-FFF2-40B4-BE49-F238E27FC236}">
-                <a16:creationId xmlns:a16="http://schemas.microsoft.com/office/drawing/2014/main" id="{6E4D6B02-55D3-4606-9B2A-EAB866977453}"/>
-              </a:ext>
-            </a:extLst>
-          </p:cNvPr>
-          <p:cNvSpPr>
-            <a:spLocks noGrp="1"/>
-          </p:cNvSpPr>
-          <p:nvPr>
-            <p:ph idx="1"/>
-          </p:nvPr>
-        </p:nvSpPr>
-        <p:spPr>
-          <a:xfrm>
-            <a:off x="838200" y="1362269"/>
-            <a:ext cx="10515600" cy="4814694"/>
-          </a:xfrm>
-        </p:spPr>
-        <p:txBody>
-          <a:bodyPr>
-            <a:normAutofit/>
-          </a:bodyPr>
-          <a:lstStyle/>
-          <a:p>
-            <a:pPr>
-              <a:lnSpc>
-                <a:spcPct val="200000"/>
-              </a:lnSpc>
-            </a:pPr>
-            <a:r>
-              <a:rPr lang="en-US" sz="2400" dirty="0"/>
-              <a:t>Used several concepts learned from Advanced Computing to build a plain and simply web search engine, with basic and  searching capabilities like String matching search and regular expression search, with a word frequency cache.</a:t>
-            </a:r>
-          </a:p>
-          <a:p>
-            <a:pPr>
-              <a:lnSpc>
-                <a:spcPct val="200000"/>
-              </a:lnSpc>
-            </a:pPr>
-            <a:r>
-              <a:rPr lang="en-US" sz="2400" dirty="0"/>
-              <a:t>Project code repository: </a:t>
-            </a:r>
-            <a:r>
-              <a:rPr lang="en-US" sz="2400" u="sng" dirty="0">
-                <a:latin typeface="Calibri" panose="020F0502020204030204" pitchFamily="34" charset="0"/>
-                <a:ea typeface="Calibri" panose="020F0502020204030204" pitchFamily="34" charset="0"/>
-                <a:cs typeface="Times New Roman" panose="02020603050405020304" pitchFamily="18" charset="0"/>
-              </a:rPr>
-              <a:t>https://github.com/fanchuanster/8547SFinalProj</a:t>
-            </a:r>
-            <a:endParaRPr lang="en-US" sz="2400" u="sng" dirty="0">
-              <a:effectLst/>
-              <a:latin typeface="Calibri" panose="020F0502020204030204" pitchFamily="34" charset="0"/>
-              <a:ea typeface="Calibri" panose="020F0502020204030204" pitchFamily="34" charset="0"/>
-              <a:cs typeface="Times New Roman" panose="02020603050405020304" pitchFamily="18" charset="0"/>
-            </a:endParaRPr>
-          </a:p>
-        </p:txBody>
-      </p:sp>
-    </p:spTree>
-    <p:extLst>
-      <p:ext uri="{BB962C8B-B14F-4D97-AF65-F5344CB8AC3E}">
-        <p14:creationId xmlns:p14="http://schemas.microsoft.com/office/powerpoint/2010/main" val="184120026"/>
-      </p:ext>
-    </p:extLst>
-  </p:cSld>
-  <p:clrMapOvr>
-    <a:masterClrMapping/>
-  </p:clrMapOvr>
-</p:sld>
-</file>
-
-<file path=ppt/slides/slide2.xml><?xml version="1.0" encoding="utf-8"?>
-<p:sld xmlns:a="http://schemas.openxmlformats.org/drawingml/2006/main" xmlns:r="http://schemas.openxmlformats.org/officeDocument/2006/relationships" xmlns:p="http://schemas.openxmlformats.org/presentationml/2006/main">
-  <p:cSld>
-    <p:spTree>
-      <p:nvGrpSpPr>
-        <p:cNvPr id="1" name=""/>
-        <p:cNvGrpSpPr/>
-        <p:nvPr/>
-      </p:nvGrpSpPr>
-      <p:grpSpPr>
-        <a:xfrm>
-          <a:off x="0" y="0"/>
-          <a:ext cx="0" cy="0"/>
-          <a:chOff x="0" y="0"/>
-          <a:chExt cx="0" cy="0"/>
-        </a:xfrm>
-      </p:grpSpPr>
-      <p:sp>
-        <p:nvSpPr>
-          <p:cNvPr id="2" name="Title 1">
-            <a:extLst>
-              <a:ext uri="{FF2B5EF4-FFF2-40B4-BE49-F238E27FC236}">
-                <a16:creationId xmlns:a16="http://schemas.microsoft.com/office/drawing/2014/main" id="{136A7EA9-0BAF-4AEE-93A5-E05EB72A5CD4}"/>
-              </a:ext>
-            </a:extLst>
-          </p:cNvPr>
-          <p:cNvSpPr>
-            <a:spLocks noGrp="1"/>
-          </p:cNvSpPr>
-          <p:nvPr>
-            <p:ph type="title"/>
-          </p:nvPr>
-        </p:nvSpPr>
-        <p:spPr/>
-        <p:txBody>
-          <a:bodyPr/>
-          <a:lstStyle/>
-          <a:p>
-            <a:r>
-              <a:rPr lang="en-US" dirty="0"/>
-              <a:t>Contents</a:t>
-            </a:r>
-          </a:p>
-        </p:txBody>
-      </p:sp>
-      <p:sp>
-        <p:nvSpPr>
-          <p:cNvPr id="3" name="Content Placeholder 2">
-            <a:extLst>
-              <a:ext uri="{FF2B5EF4-FFF2-40B4-BE49-F238E27FC236}">
-                <a16:creationId xmlns:a16="http://schemas.microsoft.com/office/drawing/2014/main" id="{59EDADCA-9A62-4B72-9ED0-081409231E42}"/>
-              </a:ext>
-            </a:extLst>
-          </p:cNvPr>
-          <p:cNvSpPr>
-            <a:spLocks noGrp="1"/>
-          </p:cNvSpPr>
-          <p:nvPr>
-            <p:ph idx="1"/>
-          </p:nvPr>
-        </p:nvSpPr>
-        <p:spPr>
-          <a:xfrm>
-            <a:off x="996821" y="1253331"/>
-            <a:ext cx="10515600" cy="4351338"/>
-          </a:xfrm>
-        </p:spPr>
-        <p:txBody>
-          <a:bodyPr>
-            <a:normAutofit/>
-          </a:bodyPr>
-          <a:lstStyle/>
-          <a:p>
-            <a:pPr>
-              <a:lnSpc>
-                <a:spcPct val="150000"/>
-              </a:lnSpc>
-            </a:pPr>
-            <a:r>
-              <a:rPr lang="en-US" sz="2000" dirty="0"/>
-              <a:t>Overview</a:t>
-            </a:r>
-          </a:p>
-          <a:p>
-            <a:pPr>
-              <a:lnSpc>
-                <a:spcPct val="150000"/>
-              </a:lnSpc>
-            </a:pPr>
-            <a:r>
-              <a:rPr lang="en-US" sz="2000" dirty="0"/>
-              <a:t>Features</a:t>
-            </a:r>
-          </a:p>
-          <a:p>
-            <a:pPr>
-              <a:lnSpc>
-                <a:spcPct val="150000"/>
-              </a:lnSpc>
-            </a:pPr>
-            <a:r>
-              <a:rPr lang="en-US" sz="2000" dirty="0"/>
-              <a:t>Systems architecture</a:t>
-            </a:r>
-          </a:p>
-          <a:p>
-            <a:pPr>
-              <a:lnSpc>
-                <a:spcPct val="150000"/>
-              </a:lnSpc>
-            </a:pPr>
-            <a:r>
-              <a:rPr lang="en-US" sz="2000" dirty="0"/>
-              <a:t>Technical concepts applied</a:t>
-            </a:r>
-          </a:p>
-          <a:p>
-            <a:pPr>
-              <a:lnSpc>
-                <a:spcPct val="150000"/>
-              </a:lnSpc>
-            </a:pPr>
-            <a:r>
-              <a:rPr lang="en-US" sz="2000" dirty="0"/>
-              <a:t>Demo</a:t>
-            </a:r>
-          </a:p>
-          <a:p>
-            <a:pPr>
-              <a:lnSpc>
-                <a:spcPct val="150000"/>
-              </a:lnSpc>
-            </a:pPr>
-            <a:r>
-              <a:rPr lang="en-US" sz="2000" dirty="0"/>
-              <a:t>Summary</a:t>
-            </a:r>
-          </a:p>
-          <a:p>
-            <a:pPr>
-              <a:lnSpc>
-                <a:spcPct val="150000"/>
-              </a:lnSpc>
-              <a:buFont typeface="Wingdings" panose="05000000000000000000" pitchFamily="2" charset="2"/>
-              <a:buChar char="Ø"/>
-            </a:pPr>
-            <a:endParaRPr lang="en-US" sz="2000" dirty="0"/>
-          </a:p>
-          <a:p>
-            <a:pPr>
-              <a:lnSpc>
-                <a:spcPct val="150000"/>
-              </a:lnSpc>
-              <a:buFont typeface="Wingdings" panose="05000000000000000000" pitchFamily="2" charset="2"/>
-              <a:buChar char="Ø"/>
-            </a:pPr>
-            <a:endParaRPr lang="en-US" sz="2000" dirty="0"/>
-          </a:p>
-        </p:txBody>
-      </p:sp>
-    </p:spTree>
-    <p:extLst>
-      <p:ext uri="{BB962C8B-B14F-4D97-AF65-F5344CB8AC3E}">
-        <p14:creationId xmlns:p14="http://schemas.microsoft.com/office/powerpoint/2010/main" val="720072428"/>
-      </p:ext>
-    </p:extLst>
-  </p:cSld>
-  <p:clrMapOvr>
-    <a:masterClrMapping/>
-  </p:clrMapOvr>
-</p:sld>
-</file>
-
-<file path=ppt/slides/slide3.xml><?xml version="1.0" encoding="utf-8"?>
-<p:sld xmlns:a="http://schemas.openxmlformats.org/drawingml/2006/main" xmlns:r="http://schemas.openxmlformats.org/officeDocument/2006/relationships" xmlns:p="http://schemas.openxmlformats.org/presentationml/2006/main">
-  <p:cSld>
-    <p:spTree>
-      <p:nvGrpSpPr>
-        <p:cNvPr id="1" name=""/>
-        <p:cNvGrpSpPr/>
-        <p:nvPr/>
-      </p:nvGrpSpPr>
-      <p:grpSpPr>
-        <a:xfrm>
-          <a:off x="0" y="0"/>
-          <a:ext cx="0" cy="0"/>
-          <a:chOff x="0" y="0"/>
-          <a:chExt cx="0" cy="0"/>
-        </a:xfrm>
-      </p:grpSpPr>
-      <p:sp>
-        <p:nvSpPr>
-          <p:cNvPr id="2" name="Title 1">
-            <a:extLst>
-              <a:ext uri="{FF2B5EF4-FFF2-40B4-BE49-F238E27FC236}">
-                <a16:creationId xmlns:a16="http://schemas.microsoft.com/office/drawing/2014/main" id="{136A7EA9-0BAF-4AEE-93A5-E05EB72A5CD4}"/>
-              </a:ext>
-            </a:extLst>
-          </p:cNvPr>
-          <p:cNvSpPr>
-            <a:spLocks noGrp="1"/>
-          </p:cNvSpPr>
-          <p:nvPr>
-            <p:ph type="title"/>
-          </p:nvPr>
-        </p:nvSpPr>
-        <p:spPr/>
-        <p:txBody>
-          <a:bodyPr/>
-          <a:lstStyle/>
-          <a:p>
-            <a:r>
-              <a:rPr lang="en-US" dirty="0"/>
-              <a:t>Overview</a:t>
-            </a:r>
-          </a:p>
-        </p:txBody>
-      </p:sp>
-      <p:sp>
-        <p:nvSpPr>
-          <p:cNvPr id="3" name="Content Placeholder 2">
-            <a:extLst>
-              <a:ext uri="{FF2B5EF4-FFF2-40B4-BE49-F238E27FC236}">
-                <a16:creationId xmlns:a16="http://schemas.microsoft.com/office/drawing/2014/main" id="{59EDADCA-9A62-4B72-9ED0-081409231E42}"/>
-              </a:ext>
-            </a:extLst>
-          </p:cNvPr>
-          <p:cNvSpPr>
-            <a:spLocks noGrp="1"/>
-          </p:cNvSpPr>
-          <p:nvPr>
-            <p:ph idx="1"/>
-          </p:nvPr>
-        </p:nvSpPr>
-        <p:spPr>
-          <a:xfrm>
-            <a:off x="950167" y="1253331"/>
-            <a:ext cx="10515600" cy="4351338"/>
-          </a:xfrm>
-        </p:spPr>
-        <p:txBody>
-          <a:bodyPr>
-            <a:normAutofit/>
-          </a:bodyPr>
-          <a:lstStyle/>
-          <a:p>
-            <a:pPr>
-              <a:lnSpc>
-                <a:spcPct val="200000"/>
-              </a:lnSpc>
-            </a:pPr>
-            <a:r>
-              <a:rPr lang="en-US" sz="2000" dirty="0"/>
-              <a:t>Our Web Search Engine offers keyword search and regular expression search, starting search from a given initial URL and spreading on to the descendant pages.</a:t>
-            </a:r>
-          </a:p>
-          <a:p>
-            <a:pPr>
-              <a:lnSpc>
-                <a:spcPct val="200000"/>
-              </a:lnSpc>
-            </a:pPr>
-            <a:endParaRPr lang="en-US" sz="2000" dirty="0"/>
-          </a:p>
-        </p:txBody>
-      </p:sp>
-    </p:spTree>
-    <p:extLst>
-      <p:ext uri="{BB962C8B-B14F-4D97-AF65-F5344CB8AC3E}">
-        <p14:creationId xmlns:p14="http://schemas.microsoft.com/office/powerpoint/2010/main" val="633714564"/>
-      </p:ext>
-    </p:extLst>
-  </p:cSld>
-  <p:clrMapOvr>
-    <a:masterClrMapping/>
-  </p:clrMapOvr>
-</p:sld>
-</file>
-
-<file path=ppt/slides/slide4.xml><?xml version="1.0" encoding="utf-8"?>
-<p:sld xmlns:a="http://schemas.openxmlformats.org/drawingml/2006/main" xmlns:r="http://schemas.openxmlformats.org/officeDocument/2006/relationships" xmlns:p="http://schemas.openxmlformats.org/presentationml/2006/main">
-  <p:cSld>
-    <p:spTree>
-      <p:nvGrpSpPr>
-        <p:cNvPr id="1" name=""/>
-        <p:cNvGrpSpPr/>
-        <p:nvPr/>
-      </p:nvGrpSpPr>
-      <p:grpSpPr>
-        <a:xfrm>
-          <a:off x="0" y="0"/>
-          <a:ext cx="0" cy="0"/>
-          <a:chOff x="0" y="0"/>
-          <a:chExt cx="0" cy="0"/>
-        </a:xfrm>
-      </p:grpSpPr>
-      <p:sp>
-        <p:nvSpPr>
-          <p:cNvPr id="2" name="Title 1">
-            <a:extLst>
-              <a:ext uri="{FF2B5EF4-FFF2-40B4-BE49-F238E27FC236}">
-                <a16:creationId xmlns:a16="http://schemas.microsoft.com/office/drawing/2014/main" id="{136A7EA9-0BAF-4AEE-93A5-E05EB72A5CD4}"/>
-              </a:ext>
-            </a:extLst>
-          </p:cNvPr>
-          <p:cNvSpPr>
-            <a:spLocks noGrp="1"/>
-          </p:cNvSpPr>
-          <p:nvPr>
-            <p:ph type="title"/>
-          </p:nvPr>
-        </p:nvSpPr>
-        <p:spPr/>
-        <p:txBody>
-          <a:bodyPr/>
-          <a:lstStyle/>
-          <a:p>
-            <a:r>
-              <a:rPr lang="en-US" dirty="0"/>
-              <a:t>Features</a:t>
-            </a:r>
-          </a:p>
-        </p:txBody>
-      </p:sp>
-      <p:sp>
-        <p:nvSpPr>
-          <p:cNvPr id="3" name="Content Placeholder 2">
-            <a:extLst>
-              <a:ext uri="{FF2B5EF4-FFF2-40B4-BE49-F238E27FC236}">
-                <a16:creationId xmlns:a16="http://schemas.microsoft.com/office/drawing/2014/main" id="{59EDADCA-9A62-4B72-9ED0-081409231E42}"/>
-              </a:ext>
-            </a:extLst>
-          </p:cNvPr>
-          <p:cNvSpPr>
-            <a:spLocks noGrp="1"/>
-          </p:cNvSpPr>
-          <p:nvPr>
-            <p:ph idx="1"/>
-          </p:nvPr>
-        </p:nvSpPr>
-        <p:spPr>
-          <a:xfrm>
-            <a:off x="950167" y="1253331"/>
-            <a:ext cx="10515600" cy="4351338"/>
-          </a:xfrm>
-        </p:spPr>
-        <p:txBody>
-          <a:bodyPr>
-            <a:normAutofit/>
-          </a:bodyPr>
-          <a:lstStyle/>
-          <a:p>
-            <a:pPr>
-              <a:lnSpc>
-                <a:spcPct val="200000"/>
-              </a:lnSpc>
-            </a:pPr>
-            <a:r>
-              <a:rPr lang="en-US" sz="2000" dirty="0"/>
-              <a:t>Keyword string matching web search</a:t>
-            </a:r>
-          </a:p>
-          <a:p>
-            <a:pPr>
-              <a:lnSpc>
-                <a:spcPct val="200000"/>
-              </a:lnSpc>
-            </a:pPr>
-            <a:r>
-              <a:rPr lang="en-US" sz="2000" dirty="0"/>
-              <a:t>Regular expression web search</a:t>
-            </a:r>
-          </a:p>
-          <a:p>
-            <a:pPr>
-              <a:lnSpc>
-                <a:spcPct val="200000"/>
-              </a:lnSpc>
-            </a:pPr>
-            <a:r>
-              <a:rPr lang="en-US" sz="2000" dirty="0"/>
-              <a:t>Web pages Scrawler</a:t>
-            </a:r>
-          </a:p>
-          <a:p>
-            <a:pPr>
-              <a:lnSpc>
-                <a:spcPct val="200000"/>
-              </a:lnSpc>
-            </a:pPr>
-            <a:r>
-              <a:rPr lang="en-US" sz="2000" dirty="0"/>
-              <a:t>HTML to plain text</a:t>
-            </a:r>
-          </a:p>
-          <a:p>
-            <a:pPr marL="0" indent="0">
-              <a:lnSpc>
-                <a:spcPct val="200000"/>
-              </a:lnSpc>
-              <a:buNone/>
-            </a:pPr>
-            <a:endParaRPr lang="en-US" sz="2000" dirty="0"/>
-          </a:p>
-        </p:txBody>
-      </p:sp>
-    </p:spTree>
-    <p:extLst>
-      <p:ext uri="{BB962C8B-B14F-4D97-AF65-F5344CB8AC3E}">
-        <p14:creationId xmlns:p14="http://schemas.microsoft.com/office/powerpoint/2010/main" val="1517824221"/>
-      </p:ext>
-    </p:extLst>
-  </p:cSld>
-  <p:clrMapOvr>
-    <a:masterClrMapping/>
-  </p:clrMapOvr>
-  <p:timing>
-    <p:tnLst>
-      <p:par>
-        <p:cTn id="1" dur="indefinite" restart="never" nodeType="tmRoot">
-          <p:childTnLst>
-            <p:seq concurrent="1" nextAc="seek">
-              <p:cTn id="2" dur="indefinite" nodeType="mainSeq">
-                <p:childTnLst>
-                  <p:par>
-                    <p:cTn id="3" fill="hold">
-                      <p:stCondLst>
-                        <p:cond delay="indefinite"/>
-                      </p:stCondLst>
-                      <p:childTnLst>
-                        <p:par>
-                          <p:cTn id="4" fill="hold">
-                            <p:stCondLst>
-                              <p:cond delay="0"/>
-                            </p:stCondLst>
-                            <p:childTnLst>
-                              <p:par>
-                                <p:cTn id="5" presetID="1" presetClass="entr" presetSubtype="0" fill="hold" nodeType="clickEffect">
-                                  <p:stCondLst>
-                                    <p:cond delay="0"/>
-                                  </p:stCondLst>
-                                  <p:childTnLst>
-                                    <p:set>
-                                      <p:cBhvr>
-                                        <p:cTn id="6" dur="1" fill="hold">
-                                          <p:stCondLst>
-                                            <p:cond delay="0"/>
-                                          </p:stCondLst>
-                                        </p:cTn>
-                                        <p:tgtEl>
-                                          <p:spTgt spid="3">
-                                            <p:txEl>
-                                              <p:pRg st="0" end="0"/>
-                                            </p:txEl>
-                                          </p:spTgt>
-                                        </p:tgtEl>
-                                        <p:attrNameLst>
-                                          <p:attrName>style.visibility</p:attrName>
-                                        </p:attrNameLst>
-                                      </p:cBhvr>
-                                      <p:to>
-                                        <p:strVal val="visible"/>
-                                      </p:to>
-                                    </p:set>
-                                  </p:childTnLst>
-                                </p:cTn>
-                              </p:par>
-                            </p:childTnLst>
-                          </p:cTn>
-                        </p:par>
-                      </p:childTnLst>
-                    </p:cTn>
-                  </p:par>
-                  <p:par>
-                    <p:cTn id="7" fill="hold">
-                      <p:stCondLst>
-                        <p:cond delay="indefinite"/>
-                      </p:stCondLst>
-                      <p:childTnLst>
-                        <p:par>
-                          <p:cTn id="8" fill="hold">
-                            <p:stCondLst>
-                              <p:cond delay="0"/>
-                            </p:stCondLst>
-                            <p:childTnLst>
-                              <p:par>
-                                <p:cTn id="9" presetID="1" presetClass="entr" presetSubtype="0" fill="hold" nodeType="clickEffect">
-                                  <p:stCondLst>
-                                    <p:cond delay="0"/>
-                                  </p:stCondLst>
-                                  <p:childTnLst>
-                                    <p:set>
-                                      <p:cBhvr>
-                                        <p:cTn id="10" dur="1" fill="hold">
-                                          <p:stCondLst>
-                                            <p:cond delay="0"/>
-                                          </p:stCondLst>
-                                        </p:cTn>
-                                        <p:tgtEl>
-                                          <p:spTgt spid="3">
-                                            <p:txEl>
-                                              <p:pRg st="1" end="1"/>
-                                            </p:txEl>
-                                          </p:spTgt>
-                                        </p:tgtEl>
-                                        <p:attrNameLst>
-                                          <p:attrName>style.visibility</p:attrName>
-                                        </p:attrNameLst>
-                                      </p:cBhvr>
-                                      <p:to>
-                                        <p:strVal val="visible"/>
-                                      </p:to>
-                                    </p:set>
-                                  </p:childTnLst>
-                                </p:cTn>
-                              </p:par>
-                            </p:childTnLst>
-                          </p:cTn>
-                        </p:par>
-                      </p:childTnLst>
-                    </p:cTn>
-                  </p:par>
-                  <p:par>
-                    <p:cTn id="11" fill="hold">
-                      <p:stCondLst>
-                        <p:cond delay="indefinite"/>
-                      </p:stCondLst>
-                      <p:childTnLst>
-                        <p:par>
-                          <p:cTn id="12" fill="hold">
-                            <p:stCondLst>
-                              <p:cond delay="0"/>
-                            </p:stCondLst>
-                            <p:childTnLst>
-                              <p:par>
-                                <p:cTn id="13" presetID="1" presetClass="entr" presetSubtype="0" fill="hold" nodeType="clickEffect">
-                                  <p:stCondLst>
-                                    <p:cond delay="0"/>
-                                  </p:stCondLst>
-                                  <p:childTnLst>
-                                    <p:set>
-                                      <p:cBhvr>
-                                        <p:cTn id="14" dur="1" fill="hold">
-                                          <p:stCondLst>
-                                            <p:cond delay="0"/>
-                                          </p:stCondLst>
-                                        </p:cTn>
-                                        <p:tgtEl>
-                                          <p:spTgt spid="3">
-                                            <p:txEl>
-                                              <p:pRg st="2" end="2"/>
-                                            </p:txEl>
-                                          </p:spTgt>
-                                        </p:tgtEl>
-                                        <p:attrNameLst>
-                                          <p:attrName>style.visibility</p:attrName>
-                                        </p:attrNameLst>
-                                      </p:cBhvr>
-                                      <p:to>
-                                        <p:strVal val="visible"/>
-                                      </p:to>
-                                    </p:set>
-                                  </p:childTnLst>
-                                </p:cTn>
-                              </p:par>
-                            </p:childTnLst>
-                          </p:cTn>
-                        </p:par>
-                      </p:childTnLst>
-                    </p:cTn>
-                  </p:par>
-                  <p:par>
-                    <p:cTn id="15" fill="hold">
-                      <p:stCondLst>
-                        <p:cond delay="indefinite"/>
-                      </p:stCondLst>
-                      <p:childTnLst>
-                        <p:par>
-                          <p:cTn id="16" fill="hold">
-                            <p:stCondLst>
-                              <p:cond delay="0"/>
-                            </p:stCondLst>
-                            <p:childTnLst>
-                              <p:par>
-                                <p:cTn id="17" presetID="1" presetClass="entr" presetSubtype="0" fill="hold" nodeType="clickEffect">
-                                  <p:stCondLst>
-                                    <p:cond delay="0"/>
-                                  </p:stCondLst>
-                                  <p:childTnLst>
-                                    <p:set>
-                                      <p:cBhvr>
-                                        <p:cTn id="18" dur="1" fill="hold">
-                                          <p:stCondLst>
-                                            <p:cond delay="0"/>
-                                          </p:stCondLst>
-                                        </p:cTn>
-                                        <p:tgtEl>
-                                          <p:spTgt spid="3">
-                                            <p:txEl>
-                                              <p:pRg st="3" end="3"/>
-                                            </p:txEl>
-                                          </p:spTgt>
-                                        </p:tgtEl>
-                                        <p:attrNameLst>
-                                          <p:attrName>style.visibility</p:attrName>
-                                        </p:attrNameLst>
-                                      </p:cBhvr>
-                                      <p:to>
-                                        <p:strVal val="visible"/>
-                                      </p:to>
-                                    </p:set>
-                                  </p:childTnLst>
-                                </p:cTn>
-                              </p:par>
-                            </p:childTnLst>
-                          </p:cTn>
-                        </p:par>
-                      </p:childTnLst>
-                    </p:cTn>
-                  </p:par>
-                </p:childTnLst>
-              </p:cTn>
-              <p:prevCondLst>
-                <p:cond evt="onPrev" delay="0">
-                  <p:tgtEl>
-                    <p:sldTgt/>
-                  </p:tgtEl>
-                </p:cond>
-              </p:prevCondLst>
-              <p:nextCondLst>
-                <p:cond evt="onNext" delay="0">
-                  <p:tgtEl>
-                    <p:sldTgt/>
-                  </p:tgtEl>
-                </p:cond>
-              </p:nextCondLst>
-            </p:seq>
-          </p:childTnLst>
-        </p:cTn>
-      </p:par>
-    </p:tnLst>
-  </p:timing>
-</p:sld>
-</file>
-
-<file path=ppt/slides/slide5.xml><?xml version="1.0" encoding="utf-8"?>
-<p:sld xmlns:a="http://schemas.openxmlformats.org/drawingml/2006/main" xmlns:r="http://schemas.openxmlformats.org/officeDocument/2006/relationships" xmlns:p="http://schemas.openxmlformats.org/presentationml/2006/main">
-  <p:cSld>
-    <p:spTree>
-      <p:nvGrpSpPr>
-        <p:cNvPr id="1" name=""/>
-        <p:cNvGrpSpPr/>
-        <p:nvPr/>
-      </p:nvGrpSpPr>
-      <p:grpSpPr>
-        <a:xfrm>
-          <a:off x="0" y="0"/>
-          <a:ext cx="0" cy="0"/>
-          <a:chOff x="0" y="0"/>
-          <a:chExt cx="0" cy="0"/>
-        </a:xfrm>
-      </p:grpSpPr>
-      <p:sp>
-        <p:nvSpPr>
-          <p:cNvPr id="2" name="Title 1">
-            <a:extLst>
-              <a:ext uri="{FF2B5EF4-FFF2-40B4-BE49-F238E27FC236}">
-                <a16:creationId xmlns:a16="http://schemas.microsoft.com/office/drawing/2014/main" id="{136A7EA9-0BAF-4AEE-93A5-E05EB72A5CD4}"/>
-              </a:ext>
-            </a:extLst>
-          </p:cNvPr>
-          <p:cNvSpPr>
-            <a:spLocks noGrp="1"/>
-          </p:cNvSpPr>
-          <p:nvPr>
-            <p:ph type="title"/>
-          </p:nvPr>
-        </p:nvSpPr>
-        <p:spPr/>
-        <p:txBody>
-          <a:bodyPr/>
-          <a:lstStyle/>
-          <a:p>
-            <a:r>
-              <a:rPr lang="en-US" dirty="0"/>
-              <a:t>Features</a:t>
-            </a:r>
-          </a:p>
-        </p:txBody>
-      </p:sp>
-      <p:sp>
-        <p:nvSpPr>
-          <p:cNvPr id="3" name="Content Placeholder 2">
-            <a:extLst>
-              <a:ext uri="{FF2B5EF4-FFF2-40B4-BE49-F238E27FC236}">
-                <a16:creationId xmlns:a16="http://schemas.microsoft.com/office/drawing/2014/main" id="{59EDADCA-9A62-4B72-9ED0-081409231E42}"/>
-              </a:ext>
-            </a:extLst>
-          </p:cNvPr>
-          <p:cNvSpPr>
-            <a:spLocks noGrp="1"/>
-          </p:cNvSpPr>
-          <p:nvPr>
-            <p:ph idx="1"/>
-          </p:nvPr>
-        </p:nvSpPr>
-        <p:spPr>
-          <a:xfrm>
-            <a:off x="950167" y="1253331"/>
-            <a:ext cx="10515600" cy="4351338"/>
-          </a:xfrm>
-        </p:spPr>
-        <p:txBody>
-          <a:bodyPr>
-            <a:normAutofit/>
-          </a:bodyPr>
-          <a:lstStyle/>
-          <a:p>
-            <a:pPr>
-              <a:lnSpc>
-                <a:spcPct val="200000"/>
-              </a:lnSpc>
-            </a:pPr>
-            <a:r>
-              <a:rPr lang="en-US" sz="2000" dirty="0"/>
-              <a:t>Ranking web pages with sorting</a:t>
-            </a:r>
-          </a:p>
-          <a:p>
-            <a:pPr>
-              <a:lnSpc>
-                <a:spcPct val="200000"/>
-              </a:lnSpc>
-            </a:pPr>
-            <a:r>
-              <a:rPr lang="en-US" sz="2000" dirty="0"/>
-              <a:t>Inverted index customized</a:t>
-            </a:r>
-          </a:p>
-          <a:p>
-            <a:pPr>
-              <a:lnSpc>
-                <a:spcPct val="200000"/>
-              </a:lnSpc>
-            </a:pPr>
-            <a:r>
-              <a:rPr lang="en-US" sz="2000" dirty="0"/>
-              <a:t>Cached dictionary with Hash table</a:t>
-            </a:r>
-          </a:p>
-        </p:txBody>
-      </p:sp>
-    </p:spTree>
-    <p:extLst>
-      <p:ext uri="{BB962C8B-B14F-4D97-AF65-F5344CB8AC3E}">
-        <p14:creationId xmlns:p14="http://schemas.microsoft.com/office/powerpoint/2010/main" val="2385245811"/>
-      </p:ext>
-    </p:extLst>
-  </p:cSld>
-  <p:clrMapOvr>
-    <a:masterClrMapping/>
-  </p:clrMapOvr>
-  <p:timing>
-    <p:tnLst>
-      <p:par>
-        <p:cTn id="1" dur="indefinite" restart="never" nodeType="tmRoot">
-          <p:childTnLst>
-            <p:seq concurrent="1" nextAc="seek">
-              <p:cTn id="2" dur="indefinite" nodeType="mainSeq">
-                <p:childTnLst>
-                  <p:par>
-                    <p:cTn id="3" fill="hold">
-                      <p:stCondLst>
-                        <p:cond delay="indefinite"/>
-                      </p:stCondLst>
-                      <p:childTnLst>
-                        <p:par>
-                          <p:cTn id="4" fill="hold">
-                            <p:stCondLst>
-                              <p:cond delay="0"/>
-                            </p:stCondLst>
-                            <p:childTnLst>
-                              <p:par>
-                                <p:cTn id="5" presetID="1" presetClass="entr" presetSubtype="0" fill="hold" nodeType="clickEffect">
-                                  <p:stCondLst>
-                                    <p:cond delay="0"/>
-                                  </p:stCondLst>
-                                  <p:childTnLst>
-                                    <p:set>
-                                      <p:cBhvr>
-                                        <p:cTn id="6" dur="1" fill="hold">
-                                          <p:stCondLst>
-                                            <p:cond delay="0"/>
-                                          </p:stCondLst>
-                                        </p:cTn>
-                                        <p:tgtEl>
-                                          <p:spTgt spid="3">
-                                            <p:txEl>
-                                              <p:pRg st="0" end="0"/>
-                                            </p:txEl>
-                                          </p:spTgt>
-                                        </p:tgtEl>
-                                        <p:attrNameLst>
-                                          <p:attrName>style.visibility</p:attrName>
-                                        </p:attrNameLst>
-                                      </p:cBhvr>
-                                      <p:to>
-                                        <p:strVal val="visible"/>
-                                      </p:to>
-                                    </p:set>
-                                  </p:childTnLst>
-                                </p:cTn>
-                              </p:par>
-                            </p:childTnLst>
-                          </p:cTn>
-                        </p:par>
-                      </p:childTnLst>
-                    </p:cTn>
-                  </p:par>
-                  <p:par>
-                    <p:cTn id="7" fill="hold">
-                      <p:stCondLst>
-                        <p:cond delay="indefinite"/>
-                      </p:stCondLst>
-                      <p:childTnLst>
-                        <p:par>
-                          <p:cTn id="8" fill="hold">
-                            <p:stCondLst>
-                              <p:cond delay="0"/>
-                            </p:stCondLst>
-                            <p:childTnLst>
-                              <p:par>
-                                <p:cTn id="9" presetID="1" presetClass="entr" presetSubtype="0" fill="hold" nodeType="clickEffect">
-                                  <p:stCondLst>
-                                    <p:cond delay="0"/>
-                                  </p:stCondLst>
-                                  <p:childTnLst>
-                                    <p:set>
-                                      <p:cBhvr>
-                                        <p:cTn id="10" dur="1" fill="hold">
-                                          <p:stCondLst>
-                                            <p:cond delay="0"/>
-                                          </p:stCondLst>
-                                        </p:cTn>
-                                        <p:tgtEl>
-                                          <p:spTgt spid="3">
-                                            <p:txEl>
-                                              <p:pRg st="1" end="1"/>
-                                            </p:txEl>
-                                          </p:spTgt>
-                                        </p:tgtEl>
-                                        <p:attrNameLst>
-                                          <p:attrName>style.visibility</p:attrName>
-                                        </p:attrNameLst>
-                                      </p:cBhvr>
-                                      <p:to>
-                                        <p:strVal val="visible"/>
-                                      </p:to>
-                                    </p:set>
-                                  </p:childTnLst>
-                                </p:cTn>
-                              </p:par>
-                            </p:childTnLst>
-                          </p:cTn>
-                        </p:par>
-                      </p:childTnLst>
-                    </p:cTn>
-                  </p:par>
-                  <p:par>
-                    <p:cTn id="11" fill="hold">
-                      <p:stCondLst>
-                        <p:cond delay="indefinite"/>
-                      </p:stCondLst>
-                      <p:childTnLst>
-                        <p:par>
-                          <p:cTn id="12" fill="hold">
-                            <p:stCondLst>
-                              <p:cond delay="0"/>
-                            </p:stCondLst>
-                            <p:childTnLst>
-                              <p:par>
-                                <p:cTn id="13" presetID="1" presetClass="entr" presetSubtype="0" fill="hold" nodeType="clickEffect">
-                                  <p:stCondLst>
-                                    <p:cond delay="0"/>
-                                  </p:stCondLst>
-                                  <p:childTnLst>
-                                    <p:set>
-                                      <p:cBhvr>
-                                        <p:cTn id="14" dur="1" fill="hold">
-                                          <p:stCondLst>
-                                            <p:cond delay="0"/>
-                                          </p:stCondLst>
-                                        </p:cTn>
-                                        <p:tgtEl>
-                                          <p:spTgt spid="3">
-                                            <p:txEl>
-                                              <p:pRg st="2" end="2"/>
-                                            </p:txEl>
-                                          </p:spTgt>
-                                        </p:tgtEl>
-                                        <p:attrNameLst>
-                                          <p:attrName>style.visibility</p:attrName>
-                                        </p:attrNameLst>
-                                      </p:cBhvr>
-                                      <p:to>
-                                        <p:strVal val="visible"/>
-                                      </p:to>
-                                    </p:set>
-                                  </p:childTnLst>
-                                </p:cTn>
-                              </p:par>
-                            </p:childTnLst>
-                          </p:cTn>
-                        </p:par>
-                      </p:childTnLst>
-                    </p:cTn>
-                  </p:par>
-                </p:childTnLst>
-              </p:cTn>
-              <p:prevCondLst>
-                <p:cond evt="onPrev" delay="0">
-                  <p:tgtEl>
-                    <p:sldTgt/>
-                  </p:tgtEl>
-                </p:cond>
-              </p:prevCondLst>
-              <p:nextCondLst>
-                <p:cond evt="onNext" delay="0">
-                  <p:tgtEl>
-                    <p:sldTgt/>
-                  </p:tgtEl>
-                </p:cond>
-              </p:nextCondLst>
-            </p:seq>
-          </p:childTnLst>
-        </p:cTn>
-      </p:par>
-    </p:tnLst>
-  </p:timing>
-</p:sld>
-</file>
-
-<file path=ppt/slides/slide6.xml><?xml version="1.0" encoding="utf-8"?>
-<p:sld xmlns:a="http://schemas.openxmlformats.org/drawingml/2006/main" xmlns:r="http://schemas.openxmlformats.org/officeDocument/2006/relationships" xmlns:p="http://schemas.openxmlformats.org/presentationml/2006/main">
-  <p:cSld>
-    <p:bg>
-      <p:bgPr>
-        <a:solidFill>
-          <a:schemeClr val="bg1"/>
-        </a:solidFill>
-        <a:effectLst/>
-      </p:bgPr>
-    </p:bg>
-    <p:spTree>
-      <p:nvGrpSpPr>
-        <p:cNvPr id="1" name=""/>
-        <p:cNvGrpSpPr/>
-        <p:nvPr/>
-      </p:nvGrpSpPr>
-      <p:grpSpPr>
-        <a:xfrm>
-          <a:off x="0" y="0"/>
-          <a:ext cx="0" cy="0"/>
-          <a:chOff x="0" y="0"/>
-          <a:chExt cx="0" cy="0"/>
-        </a:xfrm>
-      </p:grpSpPr>
-      <p:sp>
-        <p:nvSpPr>
-          <p:cNvPr id="12" name="Rectangle 11">
-            <a:extLst>
-              <a:ext uri="{FF2B5EF4-FFF2-40B4-BE49-F238E27FC236}">
-                <a16:creationId xmlns:a16="http://schemas.microsoft.com/office/drawing/2014/main" id="{A4AC5506-6312-4701-8D3C-40187889A947}"/>
-              </a:ext>
-              <a:ext uri="{C183D7F6-B498-43B3-948B-1728B52AA6E4}">
-                <adec:decorative xmlns:adec="http://schemas.microsoft.com/office/drawing/2017/decorative" val="1"/>
-              </a:ext>
-            </a:extLst>
-          </p:cNvPr>
-          <p:cNvSpPr>
-            <a:spLocks noGrp="1" noRot="1" noChangeAspect="1" noMove="1" noResize="1" noEditPoints="1" noAdjustHandles="1" noChangeArrowheads="1" noChangeShapeType="1" noTextEdit="1"/>
-          </p:cNvSpPr>
-          <p:nvPr>
-            <p:extLst>
-              <p:ext uri="{386F3935-93C4-4BCD-93E2-E3B085C9AB24}">
-                <p16:designElem xmlns:p16="http://schemas.microsoft.com/office/powerpoint/2015/main" val="1"/>
-              </p:ext>
-            </p:extLst>
-          </p:nvPr>
-        </p:nvSpPr>
-        <p:spPr>
-          <a:xfrm>
-            <a:off x="0" y="651752"/>
-            <a:ext cx="12192000" cy="736551"/>
-          </a:xfrm>
-          <a:prstGeom prst="rect">
-            <a:avLst/>
-          </a:prstGeom>
-          <a:solidFill>
-            <a:schemeClr val="tx1"/>
-          </a:solidFill>
-          <a:ln>
-            <a:noFill/>
-          </a:ln>
-        </p:spPr>
-        <p:style>
-          <a:lnRef idx="2">
-            <a:schemeClr val="accent1">
-              <a:shade val="50000"/>
-            </a:schemeClr>
-          </a:lnRef>
-          <a:fillRef idx="1">
-            <a:schemeClr val="accent1"/>
-          </a:fillRef>
-          <a:effectRef idx="0">
-            <a:schemeClr val="accent1"/>
-          </a:effectRef>
-          <a:fontRef idx="minor">
-            <a:schemeClr val="lt1"/>
-          </a:fontRef>
-        </p:style>
-        <p:txBody>
-          <a:bodyPr rtlCol="0" anchor="ctr"/>
-          <a:lstStyle/>
-          <a:p>
-            <a:pPr algn="ctr"/>
-            <a:endParaRPr lang="en-US"/>
-          </a:p>
-        </p:txBody>
-      </p:sp>
-      <p:sp>
-        <p:nvSpPr>
-          <p:cNvPr id="2" name="Title 1">
-            <a:extLst>
-              <a:ext uri="{FF2B5EF4-FFF2-40B4-BE49-F238E27FC236}">
-                <a16:creationId xmlns:a16="http://schemas.microsoft.com/office/drawing/2014/main" id="{E231A1CB-9B23-40CF-85F0-C9F2BE930E6D}"/>
-              </a:ext>
-            </a:extLst>
-          </p:cNvPr>
-          <p:cNvSpPr>
-            <a:spLocks noGrp="1"/>
-          </p:cNvSpPr>
-          <p:nvPr>
-            <p:ph type="title"/>
-          </p:nvPr>
-        </p:nvSpPr>
-        <p:spPr>
-          <a:xfrm>
-            <a:off x="556532" y="643467"/>
-            <a:ext cx="11210925" cy="744836"/>
-          </a:xfrm>
-        </p:spPr>
-        <p:txBody>
-          <a:bodyPr vert="horz" lIns="91440" tIns="45720" rIns="91440" bIns="45720" rtlCol="0" anchor="ctr">
-            <a:normAutofit/>
-          </a:bodyPr>
-          <a:lstStyle/>
-          <a:p>
-            <a:pPr algn="ctr"/>
-            <a:r>
-              <a:rPr lang="en-US" sz="3200" kern="1200">
-                <a:solidFill>
-                  <a:schemeClr val="bg1"/>
-                </a:solidFill>
-                <a:latin typeface="+mj-lt"/>
-                <a:ea typeface="+mj-ea"/>
-                <a:cs typeface="+mj-cs"/>
-              </a:rPr>
-              <a:t>System Architecture</a:t>
-            </a:r>
-          </a:p>
-        </p:txBody>
-      </p:sp>
-      <p:pic>
-        <p:nvPicPr>
-          <p:cNvPr id="7" name="Content Placeholder 6">
-            <a:extLst>
-              <a:ext uri="{FF2B5EF4-FFF2-40B4-BE49-F238E27FC236}">
-                <a16:creationId xmlns:a16="http://schemas.microsoft.com/office/drawing/2014/main" id="{EAB48A68-FE78-4371-A43E-D4DEE5AF0DE8}"/>
-              </a:ext>
-            </a:extLst>
-          </p:cNvPr>
-          <p:cNvPicPr>
-            <a:picLocks noGrp="1" noChangeAspect="1"/>
-          </p:cNvPicPr>
-          <p:nvPr>
-            <p:ph idx="1"/>
-          </p:nvPr>
-        </p:nvPicPr>
-        <p:blipFill>
-          <a:blip r:embed="rId2">
-            <a:extLst>
-              <a:ext uri="{96DAC541-7B7A-43D3-8B79-37D633B846F1}">
-                <asvg:svgBlip xmlns:asvg="http://schemas.microsoft.com/office/drawing/2016/SVG/main" r:embed="rId3"/>
-              </a:ext>
-            </a:extLst>
-          </a:blip>
-          <a:stretch>
-            <a:fillRect/>
-          </a:stretch>
-        </p:blipFill>
-        <p:spPr>
-          <a:xfrm>
-            <a:off x="2155348" y="1675227"/>
-            <a:ext cx="7881304" cy="4394199"/>
-          </a:xfrm>
-          <a:prstGeom prst="rect">
-            <a:avLst/>
-          </a:prstGeom>
-        </p:spPr>
-      </p:pic>
-    </p:spTree>
-    <p:extLst>
-      <p:ext uri="{BB962C8B-B14F-4D97-AF65-F5344CB8AC3E}">
-        <p14:creationId xmlns:p14="http://schemas.microsoft.com/office/powerpoint/2010/main" val="4218270752"/>
-      </p:ext>
-    </p:extLst>
-  </p:cSld>
-  <p:clrMapOvr>
-    <a:masterClrMapping/>
-  </p:clrMapOvr>
-</p:sld>
-</file>
-
-<file path=ppt/slides/slide7.xml><?xml version="1.0" encoding="utf-8"?>
-<p:sld xmlns:a="http://schemas.openxmlformats.org/drawingml/2006/main" xmlns:r="http://schemas.openxmlformats.org/officeDocument/2006/relationships" xmlns:p="http://schemas.openxmlformats.org/presentationml/2006/main">
-  <p:cSld>
-    <p:bg>
-      <p:bgPr>
-        <a:solidFill>
-          <a:schemeClr val="bg1"/>
-        </a:solidFill>
-        <a:effectLst/>
-      </p:bgPr>
-    </p:bg>
-    <p:spTree>
-      <p:nvGrpSpPr>
-        <p:cNvPr id="1" name=""/>
-        <p:cNvGrpSpPr/>
-        <p:nvPr/>
-      </p:nvGrpSpPr>
-      <p:grpSpPr>
-        <a:xfrm>
-          <a:off x="0" y="0"/>
-          <a:ext cx="0" cy="0"/>
-          <a:chOff x="0" y="0"/>
-          <a:chExt cx="0" cy="0"/>
-        </a:xfrm>
-      </p:grpSpPr>
-      <p:sp>
-        <p:nvSpPr>
-          <p:cNvPr id="12" name="Rectangle 11">
-            <a:extLst>
-              <a:ext uri="{FF2B5EF4-FFF2-40B4-BE49-F238E27FC236}">
-                <a16:creationId xmlns:a16="http://schemas.microsoft.com/office/drawing/2014/main" id="{A4AC5506-6312-4701-8D3C-40187889A947}"/>
-              </a:ext>
-              <a:ext uri="{C183D7F6-B498-43B3-948B-1728B52AA6E4}">
-                <adec:decorative xmlns:adec="http://schemas.microsoft.com/office/drawing/2017/decorative" val="1"/>
-              </a:ext>
-            </a:extLst>
-          </p:cNvPr>
-          <p:cNvSpPr>
-            <a:spLocks noGrp="1" noRot="1" noChangeAspect="1" noMove="1" noResize="1" noEditPoints="1" noAdjustHandles="1" noChangeArrowheads="1" noChangeShapeType="1" noTextEdit="1"/>
-          </p:cNvSpPr>
-          <p:nvPr>
-            <p:extLst>
-              <p:ext uri="{386F3935-93C4-4BCD-93E2-E3B085C9AB24}">
-                <p16:designElem xmlns:p16="http://schemas.microsoft.com/office/powerpoint/2015/main" val="1"/>
-              </p:ext>
-            </p:extLst>
-          </p:nvPr>
-        </p:nvSpPr>
-        <p:spPr>
-          <a:xfrm>
-            <a:off x="0" y="651752"/>
-            <a:ext cx="12192000" cy="736551"/>
-          </a:xfrm>
-          <a:prstGeom prst="rect">
-            <a:avLst/>
-          </a:prstGeom>
-          <a:solidFill>
-            <a:schemeClr val="tx1"/>
-          </a:solidFill>
-          <a:ln>
-            <a:noFill/>
-          </a:ln>
-        </p:spPr>
-        <p:style>
-          <a:lnRef idx="2">
-            <a:schemeClr val="accent1">
-              <a:shade val="50000"/>
-            </a:schemeClr>
-          </a:lnRef>
-          <a:fillRef idx="1">
-            <a:schemeClr val="accent1"/>
-          </a:fillRef>
-          <a:effectRef idx="0">
-            <a:schemeClr val="accent1"/>
-          </a:effectRef>
-          <a:fontRef idx="minor">
-            <a:schemeClr val="lt1"/>
-          </a:fontRef>
-        </p:style>
-        <p:txBody>
-          <a:bodyPr rtlCol="0" anchor="ctr"/>
-          <a:lstStyle/>
-          <a:p>
-            <a:pPr algn="ctr"/>
-            <a:endParaRPr lang="en-US"/>
-          </a:p>
-        </p:txBody>
-      </p:sp>
-      <p:sp>
-        <p:nvSpPr>
-          <p:cNvPr id="2" name="Title 1">
-            <a:extLst>
-              <a:ext uri="{FF2B5EF4-FFF2-40B4-BE49-F238E27FC236}">
-                <a16:creationId xmlns:a16="http://schemas.microsoft.com/office/drawing/2014/main" id="{E231A1CB-9B23-40CF-85F0-C9F2BE930E6D}"/>
-              </a:ext>
-            </a:extLst>
-          </p:cNvPr>
-          <p:cNvSpPr>
-            <a:spLocks noGrp="1"/>
-          </p:cNvSpPr>
-          <p:nvPr>
-            <p:ph type="title"/>
-          </p:nvPr>
-        </p:nvSpPr>
-        <p:spPr>
-          <a:xfrm>
-            <a:off x="556532" y="643467"/>
-            <a:ext cx="11210925" cy="744836"/>
-          </a:xfrm>
-        </p:spPr>
-        <p:txBody>
-          <a:bodyPr vert="horz" lIns="91440" tIns="45720" rIns="91440" bIns="45720" rtlCol="0" anchor="ctr">
-            <a:normAutofit/>
-          </a:bodyPr>
-          <a:lstStyle/>
-          <a:p>
-            <a:pPr algn="ctr"/>
-            <a:r>
-              <a:rPr lang="en-US" sz="3200" kern="1200">
-                <a:solidFill>
-                  <a:schemeClr val="bg1"/>
-                </a:solidFill>
-                <a:latin typeface="+mj-lt"/>
-                <a:ea typeface="+mj-ea"/>
-                <a:cs typeface="+mj-cs"/>
-              </a:rPr>
-              <a:t>System Architecture</a:t>
-            </a:r>
-          </a:p>
-        </p:txBody>
-      </p:sp>
-      <p:pic>
-        <p:nvPicPr>
-          <p:cNvPr id="6" name="Content Placeholder 5">
-            <a:extLst>
-              <a:ext uri="{FF2B5EF4-FFF2-40B4-BE49-F238E27FC236}">
-                <a16:creationId xmlns:a16="http://schemas.microsoft.com/office/drawing/2014/main" id="{BAA29A99-27EA-4029-BA28-5632AB77C45B}"/>
-              </a:ext>
-            </a:extLst>
-          </p:cNvPr>
-          <p:cNvPicPr>
-            <a:picLocks noGrp="1" noChangeAspect="1"/>
-          </p:cNvPicPr>
-          <p:nvPr>
-            <p:ph idx="1"/>
-          </p:nvPr>
-        </p:nvPicPr>
-        <p:blipFill>
-          <a:blip r:embed="rId2">
-            <a:extLst>
-              <a:ext uri="{96DAC541-7B7A-43D3-8B79-37D633B846F1}">
-                <asvg:svgBlip xmlns:asvg="http://schemas.microsoft.com/office/drawing/2016/SVG/main" r:embed="rId3"/>
-              </a:ext>
-            </a:extLst>
-          </a:blip>
-          <a:stretch>
-            <a:fillRect/>
-          </a:stretch>
-        </p:blipFill>
-        <p:spPr>
-          <a:xfrm>
-            <a:off x="1857081" y="1396588"/>
-            <a:ext cx="7136090" cy="4780375"/>
-          </a:xfrm>
-        </p:spPr>
-      </p:pic>
-    </p:spTree>
-    <p:extLst>
-      <p:ext uri="{BB962C8B-B14F-4D97-AF65-F5344CB8AC3E}">
-        <p14:creationId xmlns:p14="http://schemas.microsoft.com/office/powerpoint/2010/main" val="2806555462"/>
-      </p:ext>
-    </p:extLst>
-  </p:cSld>
-  <p:clrMapOvr>
-    <a:masterClrMapping/>
-  </p:clrMapOvr>
-</p:sld>
-</file>
-
-<file path=ppt/slides/slide8.xml><?xml version="1.0" encoding="utf-8"?>
-<p:sld xmlns:a="http://schemas.openxmlformats.org/drawingml/2006/main" xmlns:r="http://schemas.openxmlformats.org/officeDocument/2006/relationships" xmlns:p="http://schemas.openxmlformats.org/presentationml/2006/main">
-  <p:cSld>
-    <p:bg>
-      <p:bgPr>
-        <a:solidFill>
-          <a:schemeClr val="bg2"/>
-        </a:solidFill>
-        <a:effectLst/>
-      </p:bgPr>
-    </p:bg>
-    <p:spTree>
-      <p:nvGrpSpPr>
-        <p:cNvPr id="1" name=""/>
-        <p:cNvGrpSpPr/>
-        <p:nvPr/>
-      </p:nvGrpSpPr>
-      <p:grpSpPr>
-        <a:xfrm>
-          <a:off x="0" y="0"/>
-          <a:ext cx="0" cy="0"/>
-          <a:chOff x="0" y="0"/>
-          <a:chExt cx="0" cy="0"/>
-        </a:xfrm>
-      </p:grpSpPr>
-      <p:sp>
-        <p:nvSpPr>
-          <p:cNvPr id="17" name="Rectangle 16">
-            <a:extLst>
-              <a:ext uri="{FF2B5EF4-FFF2-40B4-BE49-F238E27FC236}">
-                <a16:creationId xmlns:a16="http://schemas.microsoft.com/office/drawing/2014/main" id="{16C5FA50-8D52-4617-AF91-5C7B1C8352F1}"/>
-              </a:ext>
-              <a:ext uri="{C183D7F6-B498-43B3-948B-1728B52AA6E4}">
-                <adec:decorative xmlns:adec="http://schemas.microsoft.com/office/drawing/2017/decorative" val="1"/>
-              </a:ext>
-            </a:extLst>
-          </p:cNvPr>
-          <p:cNvSpPr>
-            <a:spLocks noGrp="1" noRot="1" noChangeAspect="1" noMove="1" noResize="1" noEditPoints="1" noAdjustHandles="1" noChangeArrowheads="1" noChangeShapeType="1" noTextEdit="1"/>
-          </p:cNvSpPr>
-          <p:nvPr>
-            <p:extLst>
-              <p:ext uri="{386F3935-93C4-4BCD-93E2-E3B085C9AB24}">
-                <p16:designElem xmlns:p16="http://schemas.microsoft.com/office/powerpoint/2015/main" val="1"/>
-              </p:ext>
-            </p:extLst>
-          </p:nvPr>
-        </p:nvSpPr>
-        <p:spPr>
-          <a:xfrm>
-            <a:off x="0" y="0"/>
-            <a:ext cx="12192000" cy="6858000"/>
-          </a:xfrm>
-          <a:prstGeom prst="rect">
-            <a:avLst/>
-          </a:prstGeom>
-          <a:solidFill>
-            <a:srgbClr val="44505C"/>
-          </a:solidFill>
-          <a:ln>
-            <a:noFill/>
-          </a:ln>
-        </p:spPr>
-        <p:style>
-          <a:lnRef idx="2">
-            <a:schemeClr val="accent1">
-              <a:shade val="50000"/>
-            </a:schemeClr>
-          </a:lnRef>
-          <a:fillRef idx="1">
-            <a:schemeClr val="accent1"/>
-          </a:fillRef>
-          <a:effectRef idx="0">
-            <a:schemeClr val="accent1"/>
-          </a:effectRef>
-          <a:fontRef idx="minor">
-            <a:schemeClr val="lt1"/>
-          </a:fontRef>
-        </p:style>
-        <p:txBody>
-          <a:bodyPr rtlCol="0" anchor="ctr"/>
-          <a:lstStyle/>
-          <a:p>
-            <a:pPr algn="ctr"/>
-            <a:endParaRPr lang="en-US"/>
-          </a:p>
-        </p:txBody>
-      </p:sp>
-      <p:sp>
-        <p:nvSpPr>
-          <p:cNvPr id="2" name="Title 1">
-            <a:extLst>
-              <a:ext uri="{FF2B5EF4-FFF2-40B4-BE49-F238E27FC236}">
-                <a16:creationId xmlns:a16="http://schemas.microsoft.com/office/drawing/2014/main" id="{E231A1CB-9B23-40CF-85F0-C9F2BE930E6D}"/>
-              </a:ext>
-            </a:extLst>
-          </p:cNvPr>
-          <p:cNvSpPr>
-            <a:spLocks noGrp="1"/>
-          </p:cNvSpPr>
-          <p:nvPr>
-            <p:ph type="title"/>
-          </p:nvPr>
-        </p:nvSpPr>
-        <p:spPr>
-          <a:xfrm>
-            <a:off x="9093496" y="618681"/>
-            <a:ext cx="2613872" cy="4794567"/>
-          </a:xfrm>
-        </p:spPr>
-        <p:txBody>
-          <a:bodyPr vert="horz" lIns="91440" tIns="45720" rIns="91440" bIns="45720" rtlCol="0" anchor="ctr">
-            <a:normAutofit/>
-          </a:bodyPr>
-          <a:lstStyle/>
-          <a:p>
-            <a:r>
-              <a:rPr lang="en-US" sz="3600" dirty="0">
-                <a:solidFill>
-                  <a:srgbClr val="FFFFFF"/>
-                </a:solidFill>
-              </a:rPr>
-              <a:t>Source Code Structure</a:t>
-            </a:r>
-          </a:p>
-        </p:txBody>
-      </p:sp>
-      <p:sp>
-        <p:nvSpPr>
-          <p:cNvPr id="19" name="Rounded Rectangle 9">
-            <a:extLst>
-              <a:ext uri="{FF2B5EF4-FFF2-40B4-BE49-F238E27FC236}">
-                <a16:creationId xmlns:a16="http://schemas.microsoft.com/office/drawing/2014/main" id="{E223798C-12AD-4B0C-A50C-D676347D67CF}"/>
-              </a:ext>
-              <a:ext uri="{C183D7F6-B498-43B3-948B-1728B52AA6E4}">
-                <adec:decorative xmlns:adec="http://schemas.microsoft.com/office/drawing/2017/decorative" val="1"/>
-              </a:ext>
-            </a:extLst>
-          </p:cNvPr>
-          <p:cNvSpPr>
-            <a:spLocks noGrp="1" noRot="1" noChangeAspect="1" noMove="1" noResize="1" noEditPoints="1" noAdjustHandles="1" noChangeArrowheads="1" noChangeShapeType="1" noTextEdit="1"/>
-          </p:cNvSpPr>
-          <p:nvPr>
-            <p:extLst>
-              <p:ext uri="{386F3935-93C4-4BCD-93E2-E3B085C9AB24}">
-                <p16:designElem xmlns:p16="http://schemas.microsoft.com/office/powerpoint/2015/main" val="1"/>
-              </p:ext>
-            </p:extLst>
-          </p:nvPr>
-        </p:nvSpPr>
-        <p:spPr>
-          <a:xfrm>
-            <a:off x="493354" y="484632"/>
-            <a:ext cx="8129016" cy="5724144"/>
-          </a:xfrm>
-          <a:prstGeom prst="roundRect">
-            <a:avLst>
-              <a:gd name="adj" fmla="val 0"/>
-            </a:avLst>
-          </a:prstGeom>
-          <a:solidFill>
-            <a:srgbClr val="FFFFFF"/>
-          </a:solidFill>
-          <a:ln w="9525">
-            <a:solidFill>
-              <a:srgbClr val="C8CACA"/>
-            </a:solidFill>
-          </a:ln>
-          <a:effectLst>
-            <a:outerShdw blurRad="57150" dist="19050" dir="5400000" algn="t" rotWithShape="0">
-              <a:prstClr val="black">
-                <a:alpha val="63000"/>
-              </a:prstClr>
-            </a:outerShdw>
-          </a:effectLst>
-        </p:spPr>
-        <p:style>
-          <a:lnRef idx="2">
-            <a:schemeClr val="accent1">
-              <a:shade val="50000"/>
-            </a:schemeClr>
-          </a:lnRef>
-          <a:fillRef idx="1">
-            <a:schemeClr val="accent1"/>
-          </a:fillRef>
-          <a:effectRef idx="0">
-            <a:schemeClr val="accent1"/>
-          </a:effectRef>
-          <a:fontRef idx="minor">
-            <a:schemeClr val="lt1"/>
-          </a:fontRef>
-        </p:style>
-        <p:txBody>
-          <a:bodyPr rtlCol="0" anchor="ctr"/>
-          <a:lstStyle/>
-          <a:p>
-            <a:pPr algn="ctr"/>
-            <a:endParaRPr lang="en-US"/>
-          </a:p>
-        </p:txBody>
-      </p:sp>
-      <p:pic>
-        <p:nvPicPr>
-          <p:cNvPr id="7" name="Content Placeholder 6">
-            <a:extLst>
-              <a:ext uri="{FF2B5EF4-FFF2-40B4-BE49-F238E27FC236}">
-                <a16:creationId xmlns:a16="http://schemas.microsoft.com/office/drawing/2014/main" id="{20A2E964-66EE-4D6B-A26B-2D14E7713157}"/>
-              </a:ext>
-            </a:extLst>
-          </p:cNvPr>
-          <p:cNvPicPr>
-            <a:picLocks noGrp="1" noChangeAspect="1"/>
-          </p:cNvPicPr>
-          <p:nvPr>
-            <p:ph idx="1"/>
-          </p:nvPr>
-        </p:nvPicPr>
-        <p:blipFill rotWithShape="1">
-          <a:blip r:embed="rId2"/>
-          <a:srcRect r="32372" b="1"/>
-          <a:stretch/>
-        </p:blipFill>
-        <p:spPr>
-          <a:xfrm>
-            <a:off x="976251" y="942538"/>
-            <a:ext cx="7163222" cy="4808332"/>
-          </a:xfrm>
-          <a:prstGeom prst="rect">
-            <a:avLst/>
-          </a:prstGeom>
-          <a:effectLst/>
-        </p:spPr>
-      </p:pic>
-    </p:spTree>
-    <p:extLst>
-      <p:ext uri="{BB962C8B-B14F-4D97-AF65-F5344CB8AC3E}">
-        <p14:creationId xmlns:p14="http://schemas.microsoft.com/office/powerpoint/2010/main" val="2923799599"/>
-      </p:ext>
-    </p:extLst>
-  </p:cSld>
-  <p:clrMapOvr>
-    <a:masterClrMapping/>
-  </p:clrMapOvr>
-</p:sld>
-</file>
-
-<file path=ppt/slides/slide9.xml><?xml version="1.0" encoding="utf-8"?>
-<p:sld xmlns:a="http://schemas.openxmlformats.org/drawingml/2006/main" xmlns:r="http://schemas.openxmlformats.org/officeDocument/2006/relationships" xmlns:p="http://schemas.openxmlformats.org/presentationml/2006/main">
-  <p:cSld>
-    <p:spTree>
-      <p:nvGrpSpPr>
-        <p:cNvPr id="1" name=""/>
-        <p:cNvGrpSpPr/>
-        <p:nvPr/>
-      </p:nvGrpSpPr>
-      <p:grpSpPr>
-        <a:xfrm>
-          <a:off x="0" y="0"/>
-          <a:ext cx="0" cy="0"/>
-          <a:chOff x="0" y="0"/>
-          <a:chExt cx="0" cy="0"/>
-        </a:xfrm>
-      </p:grpSpPr>
-      <p:sp>
-        <p:nvSpPr>
-          <p:cNvPr id="2" name="Title 1">
-            <a:extLst>
-              <a:ext uri="{FF2B5EF4-FFF2-40B4-BE49-F238E27FC236}">
-                <a16:creationId xmlns:a16="http://schemas.microsoft.com/office/drawing/2014/main" id="{E231A1CB-9B23-40CF-85F0-C9F2BE930E6D}"/>
-              </a:ext>
-            </a:extLst>
-          </p:cNvPr>
-          <p:cNvSpPr>
-            <a:spLocks noGrp="1"/>
-          </p:cNvSpPr>
-          <p:nvPr>
-            <p:ph type="title"/>
-          </p:nvPr>
-        </p:nvSpPr>
-        <p:spPr/>
-        <p:txBody>
-          <a:bodyPr/>
-          <a:lstStyle/>
-          <a:p>
-            <a:pPr>
-              <a:lnSpc>
-                <a:spcPct val="150000"/>
-              </a:lnSpc>
-            </a:pPr>
-            <a:r>
-              <a:rPr lang="en-US" sz="4400" dirty="0"/>
-              <a:t>Technical concepts applied</a:t>
-            </a:r>
-          </a:p>
-        </p:txBody>
-      </p:sp>
-      <p:sp>
-        <p:nvSpPr>
-          <p:cNvPr id="3" name="Content Placeholder 2">
-            <a:extLst>
-              <a:ext uri="{FF2B5EF4-FFF2-40B4-BE49-F238E27FC236}">
-                <a16:creationId xmlns:a16="http://schemas.microsoft.com/office/drawing/2014/main" id="{6E4D6B02-55D3-4606-9B2A-EAB866977453}"/>
-              </a:ext>
-            </a:extLst>
-          </p:cNvPr>
-          <p:cNvSpPr>
-            <a:spLocks noGrp="1"/>
-          </p:cNvSpPr>
-          <p:nvPr>
-            <p:ph idx="1"/>
-          </p:nvPr>
-        </p:nvSpPr>
-        <p:spPr/>
-        <p:txBody>
-          <a:bodyPr>
-            <a:normAutofit/>
-          </a:bodyPr>
-          <a:lstStyle/>
-          <a:p>
-            <a:pPr>
-              <a:lnSpc>
-                <a:spcPct val="150000"/>
-              </a:lnSpc>
-            </a:pPr>
-            <a:r>
-              <a:rPr lang="en-US" sz="2000" dirty="0"/>
-              <a:t>Hash table</a:t>
-            </a:r>
-          </a:p>
-          <a:p>
-            <a:pPr>
-              <a:lnSpc>
-                <a:spcPct val="150000"/>
-              </a:lnSpc>
-            </a:pPr>
-            <a:r>
-              <a:rPr lang="en-US" sz="2000" dirty="0"/>
-              <a:t>Tier Search Tree</a:t>
-            </a:r>
-          </a:p>
-          <a:p>
-            <a:pPr>
-              <a:lnSpc>
-                <a:spcPct val="150000"/>
-              </a:lnSpc>
-            </a:pPr>
-            <a:r>
-              <a:rPr lang="en-US" sz="2000" dirty="0"/>
-              <a:t>Binary Heap</a:t>
-            </a:r>
-          </a:p>
-          <a:p>
-            <a:pPr>
-              <a:lnSpc>
-                <a:spcPct val="150000"/>
-              </a:lnSpc>
-            </a:pPr>
-            <a:r>
-              <a:rPr lang="en-US" sz="2000" dirty="0"/>
-              <a:t>Regular expression</a:t>
-            </a:r>
-          </a:p>
-          <a:p>
-            <a:pPr>
-              <a:lnSpc>
-                <a:spcPct val="150000"/>
-              </a:lnSpc>
-            </a:pPr>
-            <a:endParaRPr lang="en-US" sz="2000" dirty="0"/>
-          </a:p>
-        </p:txBody>
-      </p:sp>
-    </p:spTree>
-    <p:extLst>
-      <p:ext uri="{BB962C8B-B14F-4D97-AF65-F5344CB8AC3E}">
-        <p14:creationId xmlns:p14="http://schemas.microsoft.com/office/powerpoint/2010/main" val="2028386000"/>
       </p:ext>
     </p:extLst>
   </p:cSld>
